--- a/09-06-2020-Präsentation_TEAM  5_FINAL.pptx
+++ b/09-06-2020-Präsentation_TEAM  5_FINAL.pptx
@@ -5,7 +5,7 @@
     <p:sldMasterId id="2147483660" r:id="rId1"/>
   </p:sldMasterIdLst>
   <p:notesMasterIdLst>
-    <p:notesMasterId r:id="rId13"/>
+    <p:notesMasterId r:id="rId14"/>
   </p:notesMasterIdLst>
   <p:sldIdLst>
     <p:sldId id="256" r:id="rId2"/>
@@ -15,10 +15,11 @@
     <p:sldId id="664" r:id="rId6"/>
     <p:sldId id="646" r:id="rId7"/>
     <p:sldId id="654" r:id="rId8"/>
-    <p:sldId id="647" r:id="rId9"/>
-    <p:sldId id="660" r:id="rId10"/>
-    <p:sldId id="648" r:id="rId11"/>
-    <p:sldId id="649" r:id="rId12"/>
+    <p:sldId id="665" r:id="rId9"/>
+    <p:sldId id="647" r:id="rId10"/>
+    <p:sldId id="660" r:id="rId11"/>
+    <p:sldId id="648" r:id="rId12"/>
+    <p:sldId id="649" r:id="rId13"/>
   </p:sldIdLst>
   <p:sldSz cx="9144000" cy="6858000" type="screen4x3"/>
   <p:notesSz cx="6797675" cy="9928225"/>
@@ -245,7 +246,7 @@
             <a:fld id="{D5AF008F-4A3C-4694-A28F-46ED89460412}" type="datetimeFigureOut">
               <a:rPr lang="de-DE" smtClean="0"/>
               <a:pPr/>
-              <a:t>09.06.2020</a:t>
+              <a:t>09.06.20</a:t>
             </a:fld>
             <a:endParaRPr lang="de-DE"/>
           </a:p>
@@ -404,7 +405,7 @@
             <a:fld id="{312FAAF6-6C93-4406-8FFD-B4AB5AA7608F}" type="slidenum">
               <a:rPr lang="de-DE" smtClean="0"/>
               <a:pPr/>
-              <a:t>‹Nr.›</a:t>
+              <a:t>‹#›</a:t>
             </a:fld>
             <a:endParaRPr lang="de-DE"/>
           </a:p>
@@ -1221,7 +1222,7 @@
             <a:fld id="{312FAAF6-6C93-4406-8FFD-B4AB5AA7608F}" type="slidenum">
               <a:rPr lang="de-DE" smtClean="0"/>
               <a:pPr/>
-              <a:t>10</a:t>
+              <a:t>11</a:t>
             </a:fld>
             <a:endParaRPr lang="de-DE"/>
           </a:p>
@@ -1306,7 +1307,7 @@
             <a:fld id="{312FAAF6-6C93-4406-8FFD-B4AB5AA7608F}" type="slidenum">
               <a:rPr lang="de-DE" smtClean="0"/>
               <a:pPr/>
-              <a:t>11</a:t>
+              <a:t>12</a:t>
             </a:fld>
             <a:endParaRPr lang="de-DE"/>
           </a:p>
@@ -2951,7 +2952,7 @@
             <a:fld id="{312FAAF6-6C93-4406-8FFD-B4AB5AA7608F}" type="slidenum">
               <a:rPr lang="de-DE" smtClean="0"/>
               <a:pPr/>
-              <a:t>8</a:t>
+              <a:t>9</a:t>
             </a:fld>
             <a:endParaRPr lang="de-DE"/>
           </a:p>
@@ -3039,7 +3040,7 @@
             <a:fld id="{312FAAF6-6C93-4406-8FFD-B4AB5AA7608F}" type="slidenum">
               <a:rPr lang="de-DE" smtClean="0"/>
               <a:pPr/>
-              <a:t>9</a:t>
+              <a:t>10</a:t>
             </a:fld>
             <a:endParaRPr lang="de-DE"/>
           </a:p>
@@ -3280,7 +3281,7 @@
             <a:fld id="{DEED8D61-E8B6-E041-9D61-71A033DF76C2}" type="slidenum">
               <a:rPr lang="de-DE" smtClean="0"/>
               <a:pPr/>
-              <a:t>‹Nr.›</a:t>
+              <a:t>‹#›</a:t>
             </a:fld>
             <a:endParaRPr lang="de-DE" dirty="0"/>
           </a:p>
@@ -3553,7 +3554,7 @@
             <a:fld id="{DEED8D61-E8B6-E041-9D61-71A033DF76C2}" type="slidenum">
               <a:rPr lang="de-DE" smtClean="0"/>
               <a:pPr/>
-              <a:t>‹Nr.›</a:t>
+              <a:t>‹#›</a:t>
             </a:fld>
             <a:endParaRPr lang="de-DE" dirty="0"/>
           </a:p>
@@ -3936,7 +3937,7 @@
             <a:fld id="{DEED8D61-E8B6-E041-9D61-71A033DF76C2}" type="slidenum">
               <a:rPr lang="de-DE" smtClean="0"/>
               <a:pPr/>
-              <a:t>‹Nr.›</a:t>
+              <a:t>‹#›</a:t>
             </a:fld>
             <a:endParaRPr lang="de-DE"/>
           </a:p>
@@ -4220,7 +4221,7 @@
             <a:fld id="{DEED8D61-E8B6-E041-9D61-71A033DF76C2}" type="slidenum">
               <a:rPr lang="de-DE" smtClean="0"/>
               <a:pPr/>
-              <a:t>‹Nr.›</a:t>
+              <a:t>‹#›</a:t>
             </a:fld>
             <a:endParaRPr lang="de-DE"/>
           </a:p>
@@ -4634,7 +4635,7 @@
             <a:fld id="{DEED8D61-E8B6-E041-9D61-71A033DF76C2}" type="slidenum">
               <a:rPr lang="de-DE" smtClean="0"/>
               <a:pPr/>
-              <a:t>‹Nr.›</a:t>
+              <a:t>‹#›</a:t>
             </a:fld>
             <a:endParaRPr lang="de-DE"/>
           </a:p>
@@ -4750,7 +4751,7 @@
             <a:fld id="{DEED8D61-E8B6-E041-9D61-71A033DF76C2}" type="slidenum">
               <a:rPr lang="de-DE" smtClean="0"/>
               <a:pPr/>
-              <a:t>‹Nr.›</a:t>
+              <a:t>‹#›</a:t>
             </a:fld>
             <a:endParaRPr lang="de-DE"/>
           </a:p>
@@ -5015,7 +5016,7 @@
             <a:fld id="{DEED8D61-E8B6-E041-9D61-71A033DF76C2}" type="slidenum">
               <a:rPr lang="de-DE" smtClean="0"/>
               <a:pPr/>
-              <a:t>‹Nr.›</a:t>
+              <a:t>‹#›</a:t>
             </a:fld>
             <a:endParaRPr lang="de-DE"/>
           </a:p>
@@ -5259,7 +5260,7 @@
             <a:fld id="{DEED8D61-E8B6-E041-9D61-71A033DF76C2}" type="slidenum">
               <a:rPr lang="de-DE" smtClean="0"/>
               <a:pPr/>
-              <a:t>‹Nr.›</a:t>
+              <a:t>‹#›</a:t>
             </a:fld>
             <a:endParaRPr lang="de-DE"/>
           </a:p>
@@ -5418,7 +5419,7 @@
             <a:fld id="{DEED8D61-E8B6-E041-9D61-71A033DF76C2}" type="slidenum">
               <a:rPr lang="de-DE" smtClean="0"/>
               <a:pPr/>
-              <a:t>‹Nr.›</a:t>
+              <a:t>‹#›</a:t>
             </a:fld>
             <a:endParaRPr lang="de-DE" dirty="0"/>
           </a:p>
@@ -6237,8 +6238,8 @@
         </p:nvSpPr>
         <p:spPr>
           <a:xfrm>
-            <a:off x="899592" y="44624"/>
-            <a:ext cx="7920880" cy="761999"/>
+            <a:off x="467544" y="44624"/>
+            <a:ext cx="8676456" cy="761999"/>
           </a:xfrm>
         </p:spPr>
         <p:txBody>
@@ -6246,33 +6247,117 @@
           <a:lstStyle/>
           <a:p>
             <a:r>
+              <a:rPr lang="en-GB" sz="2400" dirty="0" err="1">
+                <a:latin typeface="Calibri" panose="020F0502020204030204" pitchFamily="34" charset="0"/>
+                <a:cs typeface="Calibri" panose="020F0502020204030204" pitchFamily="34" charset="0"/>
+              </a:rPr>
+              <a:t>Ergebnisse</a:t>
+            </a:r>
+            <a:r>
               <a:rPr lang="en-GB" sz="2400" dirty="0">
                 <a:latin typeface="Calibri" panose="020F0502020204030204" pitchFamily="34" charset="0"/>
                 <a:cs typeface="Calibri" panose="020F0502020204030204" pitchFamily="34" charset="0"/>
               </a:rPr>
-              <a:t>Link </a:t>
+              <a:t> der </a:t>
             </a:r>
             <a:r>
               <a:rPr lang="en-GB" sz="2400" dirty="0" err="1">
                 <a:latin typeface="Calibri" panose="020F0502020204030204" pitchFamily="34" charset="0"/>
                 <a:cs typeface="Calibri" panose="020F0502020204030204" pitchFamily="34" charset="0"/>
               </a:rPr>
-              <a:t>zum</a:t>
+              <a:t>Schätzung</a:t>
             </a:r>
             <a:r>
               <a:rPr lang="en-GB" sz="2400" dirty="0">
                 <a:latin typeface="Calibri" panose="020F0502020204030204" pitchFamily="34" charset="0"/>
                 <a:cs typeface="Calibri" panose="020F0502020204030204" pitchFamily="34" charset="0"/>
               </a:rPr>
-              <a:t> Repository</a:t>
-            </a:r>
-            <a:endParaRPr lang="de-DE" sz="2400" dirty="0">
-              <a:solidFill>
-                <a:schemeClr val="tx1">
-                  <a:lumMod val="50000"/>
-                  <a:lumOff val="50000"/>
-                </a:schemeClr>
-              </a:solidFill>
+              <a:t> </a:t>
+            </a:r>
+            <a:r>
+              <a:rPr lang="en-GB" sz="2400" dirty="0" err="1">
+                <a:latin typeface="Calibri" panose="020F0502020204030204" pitchFamily="34" charset="0"/>
+                <a:cs typeface="Calibri" panose="020F0502020204030204" pitchFamily="34" charset="0"/>
+              </a:rPr>
+              <a:t>eines</a:t>
+            </a:r>
+            <a:r>
+              <a:rPr lang="en-GB" sz="2400" dirty="0">
+                <a:latin typeface="Calibri" panose="020F0502020204030204" pitchFamily="34" charset="0"/>
+                <a:cs typeface="Calibri" panose="020F0502020204030204" pitchFamily="34" charset="0"/>
+              </a:rPr>
+              <a:t> </a:t>
+            </a:r>
+            <a:r>
+              <a:rPr lang="en-GB" sz="2400" dirty="0" err="1">
+                <a:latin typeface="Calibri" panose="020F0502020204030204" pitchFamily="34" charset="0"/>
+                <a:cs typeface="Calibri" panose="020F0502020204030204" pitchFamily="34" charset="0"/>
+              </a:rPr>
+              <a:t>neuronalen</a:t>
+            </a:r>
+            <a:r>
+              <a:rPr lang="en-GB" sz="2400" dirty="0">
+                <a:latin typeface="Calibri" panose="020F0502020204030204" pitchFamily="34" charset="0"/>
+                <a:cs typeface="Calibri" panose="020F0502020204030204" pitchFamily="34" charset="0"/>
+              </a:rPr>
+              <a:t> </a:t>
+            </a:r>
+            <a:r>
+              <a:rPr lang="en-GB" sz="2400" dirty="0" err="1">
+                <a:latin typeface="Calibri" panose="020F0502020204030204" pitchFamily="34" charset="0"/>
+                <a:cs typeface="Calibri" panose="020F0502020204030204" pitchFamily="34" charset="0"/>
+              </a:rPr>
+              <a:t>Netzes</a:t>
+            </a:r>
+            <a:r>
+              <a:rPr lang="en-GB" sz="2400" dirty="0">
+                <a:latin typeface="Calibri" panose="020F0502020204030204" pitchFamily="34" charset="0"/>
+                <a:cs typeface="Calibri" panose="020F0502020204030204" pitchFamily="34" charset="0"/>
+              </a:rPr>
+              <a:t> </a:t>
+            </a:r>
+            <a:br>
+              <a:rPr lang="en-GB" sz="2400" dirty="0">
+                <a:latin typeface="Calibri" panose="020F0502020204030204" pitchFamily="34" charset="0"/>
+                <a:cs typeface="Calibri" panose="020F0502020204030204" pitchFamily="34" charset="0"/>
+              </a:rPr>
+            </a:br>
+            <a:r>
+              <a:rPr lang="en-GB" sz="2400" dirty="0">
+                <a:latin typeface="Calibri" panose="020F0502020204030204" pitchFamily="34" charset="0"/>
+                <a:cs typeface="Calibri" panose="020F0502020204030204" pitchFamily="34" charset="0"/>
+              </a:rPr>
+              <a:t> (</a:t>
+            </a:r>
+            <a:r>
+              <a:rPr lang="en-GB" sz="2400" dirty="0" err="1">
+                <a:latin typeface="Calibri" panose="020F0502020204030204" pitchFamily="34" charset="0"/>
+                <a:cs typeface="Calibri" panose="020F0502020204030204" pitchFamily="34" charset="0"/>
+              </a:rPr>
+              <a:t>Vorhersage</a:t>
+            </a:r>
+            <a:r>
+              <a:rPr lang="en-GB" sz="2400" dirty="0">
+                <a:latin typeface="Calibri" panose="020F0502020204030204" pitchFamily="34" charset="0"/>
+                <a:cs typeface="Calibri" panose="020F0502020204030204" pitchFamily="34" charset="0"/>
+              </a:rPr>
+              <a:t> </a:t>
+            </a:r>
+            <a:r>
+              <a:rPr lang="en-GB" sz="2400" dirty="0" err="1">
+                <a:latin typeface="Calibri" panose="020F0502020204030204" pitchFamily="34" charset="0"/>
+                <a:cs typeface="Calibri" panose="020F0502020204030204" pitchFamily="34" charset="0"/>
+              </a:rPr>
+              <a:t>für</a:t>
+            </a:r>
+            <a:r>
+              <a:rPr lang="en-GB" sz="2400" dirty="0">
+                <a:latin typeface="Calibri" panose="020F0502020204030204" pitchFamily="34" charset="0"/>
+                <a:cs typeface="Calibri" panose="020F0502020204030204" pitchFamily="34" charset="0"/>
+              </a:rPr>
+              <a:t> den 04.06.2019)</a:t>
+            </a:r>
+            <a:endParaRPr lang="en-GB" dirty="0">
               <a:latin typeface="Calibri" panose="020F0502020204030204" pitchFamily="34" charset="0"/>
               <a:cs typeface="Calibri" panose="020F0502020204030204" pitchFamily="34" charset="0"/>
             </a:endParaRPr>
@@ -6388,145 +6473,555 @@
           </a:p>
         </p:txBody>
       </p:sp>
-      <p:sp>
-        <p:nvSpPr>
-          <p:cNvPr id="4" name="Rectangle 3">
+      <p:graphicFrame>
+        <p:nvGraphicFramePr>
+          <p:cNvPr id="6" name="Table 6">
             <a:extLst>
               <a:ext uri="{FF2B5EF4-FFF2-40B4-BE49-F238E27FC236}">
-                <a16:creationId xmlns:a16="http://schemas.microsoft.com/office/drawing/2014/main" id="{84893198-39A3-8746-AB99-C55A25DC00B6}"/>
+                <a16:creationId xmlns:a16="http://schemas.microsoft.com/office/drawing/2014/main" id="{E1903564-7DF7-5744-976B-EBA17FF56370}"/>
               </a:ext>
             </a:extLst>
           </p:cNvPr>
-          <p:cNvSpPr/>
-          <p:nvPr/>
-        </p:nvSpPr>
-        <p:spPr>
-          <a:xfrm>
-            <a:off x="611560" y="1268760"/>
-            <a:ext cx="6120680" cy="1754326"/>
-          </a:xfrm>
-          <a:prstGeom prst="rect">
-            <a:avLst/>
-          </a:prstGeom>
-        </p:spPr>
-        <p:txBody>
-          <a:bodyPr wrap="square">
-            <a:spAutoFit/>
-          </a:bodyPr>
-          <a:lstStyle/>
-          <a:p>
-            <a:r>
-              <a:rPr lang="en-GB" dirty="0">
-                <a:latin typeface="Calibri" panose="020F0502020204030204" pitchFamily="34" charset="0"/>
-                <a:cs typeface="Calibri" panose="020F0502020204030204" pitchFamily="34" charset="0"/>
-                <a:hlinkClick r:id="rId3"/>
-              </a:rPr>
-              <a:t>https://github.com/saludwig26/Data-science-Team-5-1</a:t>
-            </a:r>
-            <a:endParaRPr lang="en-GB" dirty="0">
-              <a:latin typeface="Calibri" panose="020F0502020204030204" pitchFamily="34" charset="0"/>
-              <a:cs typeface="Calibri" panose="020F0502020204030204" pitchFamily="34" charset="0"/>
-            </a:endParaRPr>
-          </a:p>
-          <a:p>
-            <a:endParaRPr lang="en-GB" dirty="0">
-              <a:latin typeface="Calibri" panose="020F0502020204030204" pitchFamily="34" charset="0"/>
-              <a:cs typeface="Calibri" panose="020F0502020204030204" pitchFamily="34" charset="0"/>
-            </a:endParaRPr>
-          </a:p>
-          <a:p>
-            <a:r>
-              <a:rPr lang="en-GB" dirty="0">
-                <a:latin typeface="Calibri" panose="020F0502020204030204" pitchFamily="34" charset="0"/>
-                <a:cs typeface="Calibri" panose="020F0502020204030204" pitchFamily="34" charset="0"/>
-              </a:rPr>
-              <a:t>Repository </a:t>
-            </a:r>
-            <a:r>
-              <a:rPr lang="en-GB" dirty="0" err="1">
-                <a:latin typeface="Calibri" panose="020F0502020204030204" pitchFamily="34" charset="0"/>
-                <a:cs typeface="Calibri" panose="020F0502020204030204" pitchFamily="34" charset="0"/>
-              </a:rPr>
-              <a:t>mit</a:t>
-            </a:r>
-            <a:r>
-              <a:rPr lang="en-GB" dirty="0">
-                <a:latin typeface="Calibri" panose="020F0502020204030204" pitchFamily="34" charset="0"/>
-                <a:cs typeface="Calibri" panose="020F0502020204030204" pitchFamily="34" charset="0"/>
-              </a:rPr>
-              <a:t>:</a:t>
-            </a:r>
-            <a:br>
-              <a:rPr lang="en-GB" dirty="0">
-                <a:latin typeface="Calibri" panose="020F0502020204030204" pitchFamily="34" charset="0"/>
-                <a:cs typeface="Calibri" panose="020F0502020204030204" pitchFamily="34" charset="0"/>
-              </a:rPr>
-            </a:br>
-            <a:r>
-              <a:rPr lang="en-GB" dirty="0">
-                <a:latin typeface="Calibri" panose="020F0502020204030204" pitchFamily="34" charset="0"/>
-                <a:cs typeface="Calibri" panose="020F0502020204030204" pitchFamily="34" charset="0"/>
-              </a:rPr>
-              <a:t>• </a:t>
-            </a:r>
-            <a:r>
-              <a:rPr lang="en-GB" dirty="0" err="1">
-                <a:latin typeface="Calibri" panose="020F0502020204030204" pitchFamily="34" charset="0"/>
-                <a:cs typeface="Calibri" panose="020F0502020204030204" pitchFamily="34" charset="0"/>
-              </a:rPr>
-              <a:t>Datensatz</a:t>
-            </a:r>
-            <a:br>
-              <a:rPr lang="en-GB" dirty="0">
-                <a:latin typeface="Calibri" panose="020F0502020204030204" pitchFamily="34" charset="0"/>
-                <a:cs typeface="Calibri" panose="020F0502020204030204" pitchFamily="34" charset="0"/>
-              </a:rPr>
-            </a:br>
-            <a:r>
-              <a:rPr lang="en-GB" dirty="0">
-                <a:latin typeface="Calibri" panose="020F0502020204030204" pitchFamily="34" charset="0"/>
-                <a:cs typeface="Calibri" panose="020F0502020204030204" pitchFamily="34" charset="0"/>
-              </a:rPr>
-              <a:t>• </a:t>
-            </a:r>
-            <a:r>
-              <a:rPr lang="en-GB" dirty="0" err="1">
-                <a:latin typeface="Calibri" panose="020F0502020204030204" pitchFamily="34" charset="0"/>
-                <a:cs typeface="Calibri" panose="020F0502020204030204" pitchFamily="34" charset="0"/>
-              </a:rPr>
-              <a:t>Programmcode</a:t>
-            </a:r>
-            <a:br>
-              <a:rPr lang="en-GB" dirty="0">
-                <a:latin typeface="Calibri" panose="020F0502020204030204" pitchFamily="34" charset="0"/>
-                <a:cs typeface="Calibri" panose="020F0502020204030204" pitchFamily="34" charset="0"/>
-              </a:rPr>
-            </a:br>
-            <a:r>
-              <a:rPr lang="en-GB" dirty="0">
-                <a:latin typeface="Calibri" panose="020F0502020204030204" pitchFamily="34" charset="0"/>
-                <a:cs typeface="Calibri" panose="020F0502020204030204" pitchFamily="34" charset="0"/>
-              </a:rPr>
-              <a:t>• </a:t>
-            </a:r>
-            <a:r>
-              <a:rPr lang="en-GB" dirty="0" err="1">
-                <a:latin typeface="Calibri" panose="020F0502020204030204" pitchFamily="34" charset="0"/>
-                <a:cs typeface="Calibri" panose="020F0502020204030204" pitchFamily="34" charset="0"/>
-              </a:rPr>
-              <a:t>Präsentation</a:t>
-            </a:r>
-            <a:endParaRPr lang="en-AU" dirty="0">
-              <a:latin typeface="Calibri" panose="020F0502020204030204" pitchFamily="34" charset="0"/>
-              <a:cs typeface="Calibri" panose="020F0502020204030204" pitchFamily="34" charset="0"/>
-            </a:endParaRPr>
-          </a:p>
-        </p:txBody>
-      </p:sp>
+          <p:cNvGraphicFramePr>
+            <a:graphicFrameLocks noGrp="1"/>
+          </p:cNvGraphicFramePr>
+          <p:nvPr>
+            <p:extLst>
+              <p:ext uri="{D42A27DB-BD31-4B8C-83A1-F6EECF244321}">
+                <p14:modId xmlns:p14="http://schemas.microsoft.com/office/powerpoint/2010/main" val="2172887718"/>
+              </p:ext>
+            </p:extLst>
+          </p:nvPr>
+        </p:nvGraphicFramePr>
+        <p:xfrm>
+          <a:off x="1223628" y="1438499"/>
+          <a:ext cx="6480720" cy="3864707"/>
+        </p:xfrm>
+        <a:graphic>
+          <a:graphicData uri="http://schemas.openxmlformats.org/drawingml/2006/table">
+            <a:tbl>
+              <a:tblPr firstRow="1" bandRow="1">
+                <a:tableStyleId>{5940675A-B579-460E-94D1-54222C63F5DA}</a:tableStyleId>
+              </a:tblPr>
+              <a:tblGrid>
+                <a:gridCol w="3220690">
+                  <a:extLst>
+                    <a:ext uri="{9D8B030D-6E8A-4147-A177-3AD203B41FA5}">
+                      <a16:colId xmlns:a16="http://schemas.microsoft.com/office/drawing/2014/main" val="4271733570"/>
+                    </a:ext>
+                  </a:extLst>
+                </a:gridCol>
+                <a:gridCol w="3260030">
+                  <a:extLst>
+                    <a:ext uri="{9D8B030D-6E8A-4147-A177-3AD203B41FA5}">
+                      <a16:colId xmlns:a16="http://schemas.microsoft.com/office/drawing/2014/main" val="4168449459"/>
+                    </a:ext>
+                  </a:extLst>
+                </a:gridCol>
+              </a:tblGrid>
+              <a:tr h="552101">
+                <a:tc>
+                  <a:txBody>
+                    <a:bodyPr/>
+                    <a:lstStyle/>
+                    <a:p>
+                      <a:pPr algn="ctr"/>
+                      <a:r>
+                        <a:rPr lang="en-AU" sz="2000" b="1" dirty="0" err="1"/>
+                        <a:t>Warengruppe</a:t>
+                      </a:r>
+                      <a:endParaRPr lang="en-AU" sz="2000" b="1" dirty="0"/>
+                    </a:p>
+                  </a:txBody>
+                  <a:tcPr anchor="ctr"/>
+                </a:tc>
+                <a:tc>
+                  <a:txBody>
+                    <a:bodyPr/>
+                    <a:lstStyle/>
+                    <a:p>
+                      <a:pPr algn="ctr"/>
+                      <a:r>
+                        <a:rPr lang="en-AU" sz="1800" b="1" dirty="0" err="1"/>
+                        <a:t>Umsatz</a:t>
+                      </a:r>
+                      <a:r>
+                        <a:rPr lang="en-AU" sz="1800" b="1" dirty="0"/>
+                        <a:t>(-</a:t>
+                      </a:r>
+                      <a:r>
+                        <a:rPr lang="en-AU" sz="1800" b="1" dirty="0" err="1"/>
+                        <a:t>vorhersage</a:t>
+                      </a:r>
+                      <a:r>
+                        <a:rPr lang="en-AU" sz="1800" b="1" dirty="0"/>
+                        <a:t>) [</a:t>
+                      </a:r>
+                      <a:r>
+                        <a:rPr lang="de-DE" sz="1800" b="1" dirty="0"/>
+                        <a:t>€</a:t>
+                      </a:r>
+                      <a:r>
+                        <a:rPr lang="en-AU" sz="1800" b="1" dirty="0"/>
+                        <a:t>]</a:t>
+                      </a:r>
+                    </a:p>
+                  </a:txBody>
+                  <a:tcPr anchor="ctr"/>
+                </a:tc>
+                <a:extLst>
+                  <a:ext uri="{0D108BD9-81ED-4DB2-BD59-A6C34878D82A}">
+                    <a16:rowId xmlns:a16="http://schemas.microsoft.com/office/drawing/2014/main" val="204829037"/>
+                  </a:ext>
+                </a:extLst>
+              </a:tr>
+              <a:tr h="552101">
+                <a:tc>
+                  <a:txBody>
+                    <a:bodyPr/>
+                    <a:lstStyle/>
+                    <a:p>
+                      <a:pPr algn="ctr"/>
+                      <a:r>
+                        <a:rPr lang="en-AU" sz="1800" b="0" dirty="0"/>
+                        <a:t>1 (</a:t>
+                      </a:r>
+                      <a:r>
+                        <a:rPr lang="en-AU" sz="1800" b="0" dirty="0" err="1"/>
+                        <a:t>Brot</a:t>
+                      </a:r>
+                      <a:r>
+                        <a:rPr lang="en-AU" sz="1800" b="0" dirty="0"/>
+                        <a:t>)</a:t>
+                      </a:r>
+                    </a:p>
+                  </a:txBody>
+                  <a:tcPr anchor="ctr"/>
+                </a:tc>
+                <a:tc>
+                  <a:txBody>
+                    <a:bodyPr/>
+                    <a:lstStyle/>
+                    <a:p>
+                      <a:pPr algn="ctr"/>
+                      <a:r>
+                        <a:rPr lang="en-AU" sz="2000" b="1" dirty="0">
+                          <a:solidFill>
+                            <a:schemeClr val="accent6">
+                              <a:lumMod val="75000"/>
+                            </a:schemeClr>
+                          </a:solidFill>
+                        </a:rPr>
+                        <a:t>188</a:t>
+                      </a:r>
+                    </a:p>
+                  </a:txBody>
+                  <a:tcPr anchor="ctr"/>
+                </a:tc>
+                <a:extLst>
+                  <a:ext uri="{0D108BD9-81ED-4DB2-BD59-A6C34878D82A}">
+                    <a16:rowId xmlns:a16="http://schemas.microsoft.com/office/drawing/2014/main" val="3426599036"/>
+                  </a:ext>
+                </a:extLst>
+              </a:tr>
+              <a:tr h="552101">
+                <a:tc>
+                  <a:txBody>
+                    <a:bodyPr/>
+                    <a:lstStyle/>
+                    <a:p>
+                      <a:pPr algn="ctr"/>
+                      <a:r>
+                        <a:rPr lang="en-AU" sz="1800" b="0" dirty="0"/>
+                        <a:t>2 (</a:t>
+                      </a:r>
+                      <a:r>
+                        <a:rPr lang="en-AU" sz="1800" b="0" dirty="0" err="1"/>
+                        <a:t>Brötchen</a:t>
+                      </a:r>
+                      <a:r>
+                        <a:rPr lang="en-AU" sz="1800" b="0" dirty="0"/>
+                        <a:t>)</a:t>
+                      </a:r>
+                    </a:p>
+                  </a:txBody>
+                  <a:tcPr anchor="ctr"/>
+                </a:tc>
+                <a:tc>
+                  <a:txBody>
+                    <a:bodyPr/>
+                    <a:lstStyle/>
+                    <a:p>
+                      <a:pPr algn="ctr"/>
+                      <a:r>
+                        <a:rPr lang="en-AU" sz="2000" b="1" dirty="0">
+                          <a:solidFill>
+                            <a:schemeClr val="accent6">
+                              <a:lumMod val="75000"/>
+                            </a:schemeClr>
+                          </a:solidFill>
+                        </a:rPr>
+                        <a:t>292</a:t>
+                      </a:r>
+                    </a:p>
+                  </a:txBody>
+                  <a:tcPr anchor="ctr"/>
+                </a:tc>
+                <a:extLst>
+                  <a:ext uri="{0D108BD9-81ED-4DB2-BD59-A6C34878D82A}">
+                    <a16:rowId xmlns:a16="http://schemas.microsoft.com/office/drawing/2014/main" val="983178364"/>
+                  </a:ext>
+                </a:extLst>
+              </a:tr>
+              <a:tr h="552101">
+                <a:tc>
+                  <a:txBody>
+                    <a:bodyPr/>
+                    <a:lstStyle/>
+                    <a:p>
+                      <a:pPr marL="0" marR="0" lvl="0" indent="0" algn="ctr" defTabSz="457144" rtl="0" eaLnBrk="1" fontAlgn="auto" latinLnBrk="0" hangingPunct="1">
+                        <a:lnSpc>
+                          <a:spcPct val="100000"/>
+                        </a:lnSpc>
+                        <a:spcBef>
+                          <a:spcPts val="0"/>
+                        </a:spcBef>
+                        <a:spcAft>
+                          <a:spcPts val="0"/>
+                        </a:spcAft>
+                        <a:buClrTx/>
+                        <a:buSzTx/>
+                        <a:buFontTx/>
+                        <a:buNone/>
+                        <a:tabLst/>
+                        <a:defRPr/>
+                      </a:pPr>
+                      <a:r>
+                        <a:rPr lang="en-AU" sz="1800" b="0" dirty="0"/>
+                        <a:t>3 (</a:t>
+                      </a:r>
+                      <a:r>
+                        <a:rPr lang="en-GB" sz="1800" b="0" kern="1200" dirty="0">
+                          <a:solidFill>
+                            <a:schemeClr val="tx1"/>
+                          </a:solidFill>
+                          <a:effectLst/>
+                          <a:latin typeface="+mn-lt"/>
+                          <a:ea typeface="+mn-ea"/>
+                          <a:cs typeface="+mn-cs"/>
+                        </a:rPr>
+                        <a:t>Croissant)</a:t>
+                      </a:r>
+                    </a:p>
+                  </a:txBody>
+                  <a:tcPr anchor="ctr"/>
+                </a:tc>
+                <a:tc>
+                  <a:txBody>
+                    <a:bodyPr/>
+                    <a:lstStyle/>
+                    <a:p>
+                      <a:pPr marL="0" marR="0" lvl="0" indent="0" algn="ctr" defTabSz="457144" rtl="0" eaLnBrk="1" fontAlgn="auto" latinLnBrk="0" hangingPunct="1">
+                        <a:lnSpc>
+                          <a:spcPct val="100000"/>
+                        </a:lnSpc>
+                        <a:spcBef>
+                          <a:spcPts val="0"/>
+                        </a:spcBef>
+                        <a:spcAft>
+                          <a:spcPts val="0"/>
+                        </a:spcAft>
+                        <a:buClrTx/>
+                        <a:buSzTx/>
+                        <a:buFontTx/>
+                        <a:buNone/>
+                        <a:tabLst/>
+                        <a:defRPr/>
+                      </a:pPr>
+                      <a:r>
+                        <a:rPr lang="en-AU" sz="2000" b="1" dirty="0">
+                          <a:solidFill>
+                            <a:schemeClr val="accent6">
+                              <a:lumMod val="75000"/>
+                            </a:schemeClr>
+                          </a:solidFill>
+                        </a:rPr>
+                        <a:t>186</a:t>
+                      </a:r>
+                    </a:p>
+                  </a:txBody>
+                  <a:tcPr anchor="ctr"/>
+                </a:tc>
+                <a:extLst>
+                  <a:ext uri="{0D108BD9-81ED-4DB2-BD59-A6C34878D82A}">
+                    <a16:rowId xmlns:a16="http://schemas.microsoft.com/office/drawing/2014/main" val="824714965"/>
+                  </a:ext>
+                </a:extLst>
+              </a:tr>
+              <a:tr h="552101">
+                <a:tc>
+                  <a:txBody>
+                    <a:bodyPr/>
+                    <a:lstStyle/>
+                    <a:p>
+                      <a:pPr marL="0" marR="0" lvl="0" indent="0" algn="ctr" defTabSz="457144" rtl="0" eaLnBrk="1" fontAlgn="auto" latinLnBrk="0" hangingPunct="1">
+                        <a:lnSpc>
+                          <a:spcPct val="100000"/>
+                        </a:lnSpc>
+                        <a:spcBef>
+                          <a:spcPts val="0"/>
+                        </a:spcBef>
+                        <a:spcAft>
+                          <a:spcPts val="0"/>
+                        </a:spcAft>
+                        <a:buClrTx/>
+                        <a:buSzTx/>
+                        <a:buFontTx/>
+                        <a:buNone/>
+                        <a:tabLst/>
+                        <a:defRPr/>
+                      </a:pPr>
+                      <a:r>
+                        <a:rPr lang="en-AU" sz="1800" b="0" dirty="0"/>
+                        <a:t>4 (</a:t>
+                      </a:r>
+                      <a:r>
+                        <a:rPr lang="en-GB" sz="1800" b="0" kern="1200" dirty="0" err="1">
+                          <a:solidFill>
+                            <a:schemeClr val="tx1"/>
+                          </a:solidFill>
+                          <a:effectLst/>
+                          <a:latin typeface="+mn-lt"/>
+                          <a:ea typeface="+mn-ea"/>
+                          <a:cs typeface="+mn-cs"/>
+                        </a:rPr>
+                        <a:t>Konditorei</a:t>
+                      </a:r>
+                      <a:r>
+                        <a:rPr lang="en-GB" sz="1800" b="0" kern="1200" dirty="0">
+                          <a:solidFill>
+                            <a:schemeClr val="tx1"/>
+                          </a:solidFill>
+                          <a:effectLst/>
+                          <a:latin typeface="+mn-lt"/>
+                          <a:ea typeface="+mn-ea"/>
+                          <a:cs typeface="+mn-cs"/>
+                        </a:rPr>
+                        <a:t>)</a:t>
+                      </a:r>
+                    </a:p>
+                  </a:txBody>
+                  <a:tcPr anchor="ctr"/>
+                </a:tc>
+                <a:tc>
+                  <a:txBody>
+                    <a:bodyPr/>
+                    <a:lstStyle/>
+                    <a:p>
+                      <a:pPr marL="0" marR="0" lvl="0" indent="0" algn="ctr" defTabSz="457144" rtl="0" eaLnBrk="1" fontAlgn="auto" latinLnBrk="0" hangingPunct="1">
+                        <a:lnSpc>
+                          <a:spcPct val="100000"/>
+                        </a:lnSpc>
+                        <a:spcBef>
+                          <a:spcPts val="0"/>
+                        </a:spcBef>
+                        <a:spcAft>
+                          <a:spcPts val="0"/>
+                        </a:spcAft>
+                        <a:buClrTx/>
+                        <a:buSzTx/>
+                        <a:buFontTx/>
+                        <a:buNone/>
+                        <a:tabLst/>
+                        <a:defRPr/>
+                      </a:pPr>
+                      <a:r>
+                        <a:rPr lang="en-AU" sz="2000" b="1" dirty="0">
+                          <a:solidFill>
+                            <a:schemeClr val="accent6">
+                              <a:lumMod val="75000"/>
+                            </a:schemeClr>
+                          </a:solidFill>
+                        </a:rPr>
+                        <a:t>187</a:t>
+                      </a:r>
+                    </a:p>
+                  </a:txBody>
+                  <a:tcPr anchor="ctr"/>
+                </a:tc>
+                <a:extLst>
+                  <a:ext uri="{0D108BD9-81ED-4DB2-BD59-A6C34878D82A}">
+                    <a16:rowId xmlns:a16="http://schemas.microsoft.com/office/drawing/2014/main" val="2574431977"/>
+                  </a:ext>
+                </a:extLst>
+              </a:tr>
+              <a:tr h="552101">
+                <a:tc>
+                  <a:txBody>
+                    <a:bodyPr/>
+                    <a:lstStyle/>
+                    <a:p>
+                      <a:pPr marL="0" marR="0" lvl="0" indent="0" algn="ctr" defTabSz="457144" rtl="0" eaLnBrk="1" fontAlgn="auto" latinLnBrk="0" hangingPunct="1">
+                        <a:lnSpc>
+                          <a:spcPct val="100000"/>
+                        </a:lnSpc>
+                        <a:spcBef>
+                          <a:spcPts val="0"/>
+                        </a:spcBef>
+                        <a:spcAft>
+                          <a:spcPts val="0"/>
+                        </a:spcAft>
+                        <a:buClrTx/>
+                        <a:buSzTx/>
+                        <a:buFontTx/>
+                        <a:buNone/>
+                        <a:tabLst/>
+                        <a:defRPr/>
+                      </a:pPr>
+                      <a:r>
+                        <a:rPr lang="en-AU" sz="1800" b="0" dirty="0"/>
+                        <a:t>5 </a:t>
+                      </a:r>
+                      <a:r>
+                        <a:rPr lang="en-GB" sz="1800" b="0" kern="1200" dirty="0">
+                          <a:solidFill>
+                            <a:schemeClr val="tx1"/>
+                          </a:solidFill>
+                          <a:effectLst/>
+                          <a:latin typeface="+mn-lt"/>
+                          <a:ea typeface="+mn-ea"/>
+                          <a:cs typeface="+mn-cs"/>
+                        </a:rPr>
+                        <a:t>(Kuchen)</a:t>
+                      </a:r>
+                    </a:p>
+                  </a:txBody>
+                  <a:tcPr anchor="ctr"/>
+                </a:tc>
+                <a:tc>
+                  <a:txBody>
+                    <a:bodyPr/>
+                    <a:lstStyle/>
+                    <a:p>
+                      <a:pPr algn="ctr"/>
+                      <a:r>
+                        <a:rPr lang="en-AU" sz="2000" b="1" dirty="0">
+                          <a:solidFill>
+                            <a:schemeClr val="accent6">
+                              <a:lumMod val="75000"/>
+                            </a:schemeClr>
+                          </a:solidFill>
+                        </a:rPr>
+                        <a:t>187</a:t>
+                      </a:r>
+                    </a:p>
+                  </a:txBody>
+                  <a:tcPr anchor="ctr"/>
+                </a:tc>
+                <a:extLst>
+                  <a:ext uri="{0D108BD9-81ED-4DB2-BD59-A6C34878D82A}">
+                    <a16:rowId xmlns:a16="http://schemas.microsoft.com/office/drawing/2014/main" val="1253213471"/>
+                  </a:ext>
+                </a:extLst>
+              </a:tr>
+              <a:tr h="552101">
+                <a:tc>
+                  <a:txBody>
+                    <a:bodyPr/>
+                    <a:lstStyle/>
+                    <a:p>
+                      <a:pPr marL="0" marR="0" lvl="0" indent="0" algn="ctr" defTabSz="457144" rtl="0" eaLnBrk="1" fontAlgn="auto" latinLnBrk="0" hangingPunct="1">
+                        <a:lnSpc>
+                          <a:spcPct val="100000"/>
+                        </a:lnSpc>
+                        <a:spcBef>
+                          <a:spcPts val="0"/>
+                        </a:spcBef>
+                        <a:spcAft>
+                          <a:spcPts val="0"/>
+                        </a:spcAft>
+                        <a:buClrTx/>
+                        <a:buSzTx/>
+                        <a:buFontTx/>
+                        <a:buNone/>
+                        <a:tabLst/>
+                        <a:defRPr/>
+                      </a:pPr>
+                      <a:r>
+                        <a:rPr lang="en-AU" sz="1800" b="0" dirty="0"/>
+                        <a:t>6 (</a:t>
+                      </a:r>
+                      <a:r>
+                        <a:rPr lang="en-GB" sz="1800" b="0" kern="1200" dirty="0" err="1">
+                          <a:solidFill>
+                            <a:schemeClr val="tx1"/>
+                          </a:solidFill>
+                          <a:effectLst/>
+                          <a:latin typeface="+mn-lt"/>
+                          <a:ea typeface="+mn-ea"/>
+                          <a:cs typeface="+mn-cs"/>
+                        </a:rPr>
+                        <a:t>Saisonbrot</a:t>
+                      </a:r>
+                      <a:r>
+                        <a:rPr lang="en-AU" sz="1800" b="0" kern="1200" dirty="0">
+                          <a:solidFill>
+                            <a:schemeClr val="tx1"/>
+                          </a:solidFill>
+                          <a:effectLst/>
+                          <a:latin typeface="+mn-lt"/>
+                          <a:ea typeface="+mn-ea"/>
+                          <a:cs typeface="+mn-cs"/>
+                        </a:rPr>
+                        <a:t>)</a:t>
+                      </a:r>
+                      <a:endParaRPr lang="en-GB" sz="1800" b="0" kern="1200" dirty="0">
+                        <a:solidFill>
+                          <a:schemeClr val="tx1"/>
+                        </a:solidFill>
+                        <a:effectLst/>
+                        <a:latin typeface="+mn-lt"/>
+                        <a:ea typeface="+mn-ea"/>
+                        <a:cs typeface="+mn-cs"/>
+                      </a:endParaRPr>
+                    </a:p>
+                  </a:txBody>
+                  <a:tcPr anchor="ctr"/>
+                </a:tc>
+                <a:tc>
+                  <a:txBody>
+                    <a:bodyPr/>
+                    <a:lstStyle/>
+                    <a:p>
+                      <a:pPr algn="ctr"/>
+                      <a:r>
+                        <a:rPr lang="en-AU" sz="2000" b="1" dirty="0">
+                          <a:solidFill>
+                            <a:schemeClr val="accent6">
+                              <a:lumMod val="75000"/>
+                            </a:schemeClr>
+                          </a:solidFill>
+                        </a:rPr>
+                        <a:t>192</a:t>
+                      </a:r>
+                    </a:p>
+                  </a:txBody>
+                  <a:tcPr anchor="ctr"/>
+                </a:tc>
+                <a:extLst>
+                  <a:ext uri="{0D108BD9-81ED-4DB2-BD59-A6C34878D82A}">
+                    <a16:rowId xmlns:a16="http://schemas.microsoft.com/office/drawing/2014/main" val="3521576117"/>
+                  </a:ext>
+                </a:extLst>
+              </a:tr>
+            </a:tbl>
+          </a:graphicData>
+        </a:graphic>
+      </p:graphicFrame>
     </p:spTree>
     <p:extLst>
       <p:ext uri="{BB962C8B-B14F-4D97-AF65-F5344CB8AC3E}">
-        <p14:creationId xmlns:p14="http://schemas.microsoft.com/office/powerpoint/2010/main" val="3688979529"/>
+        <p14:creationId xmlns:p14="http://schemas.microsoft.com/office/powerpoint/2010/main" val="27379924"/>
       </p:ext>
     </p:extLst>
   </p:cSld>
@@ -6565,7 +7060,7 @@
         </p:nvSpPr>
         <p:spPr>
           <a:xfrm>
-            <a:off x="762098" y="1568088"/>
+            <a:off x="899592" y="44624"/>
             <a:ext cx="7920880" cy="761999"/>
           </a:xfrm>
         </p:spPr>
@@ -6573,13 +7068,37 @@
           <a:bodyPr anchor="ctr"/>
           <a:lstStyle/>
           <a:p>
-            <a:pPr>
-              <a:defRPr/>
-            </a:pPr>
-            <a:r>
-              <a:rPr lang="de-DE" dirty="0"/>
-              <a:t>Danke für Eure Aufmerksamkeit! </a:t>
-            </a:r>
+            <a:r>
+              <a:rPr lang="en-GB" sz="2400" dirty="0">
+                <a:latin typeface="Calibri" panose="020F0502020204030204" pitchFamily="34" charset="0"/>
+                <a:cs typeface="Calibri" panose="020F0502020204030204" pitchFamily="34" charset="0"/>
+              </a:rPr>
+              <a:t>Link </a:t>
+            </a:r>
+            <a:r>
+              <a:rPr lang="en-GB" sz="2400" dirty="0" err="1">
+                <a:latin typeface="Calibri" panose="020F0502020204030204" pitchFamily="34" charset="0"/>
+                <a:cs typeface="Calibri" panose="020F0502020204030204" pitchFamily="34" charset="0"/>
+              </a:rPr>
+              <a:t>zum</a:t>
+            </a:r>
+            <a:r>
+              <a:rPr lang="en-GB" sz="2400" dirty="0">
+                <a:latin typeface="Calibri" panose="020F0502020204030204" pitchFamily="34" charset="0"/>
+                <a:cs typeface="Calibri" panose="020F0502020204030204" pitchFamily="34" charset="0"/>
+              </a:rPr>
+              <a:t> Repository</a:t>
+            </a:r>
+            <a:endParaRPr lang="de-DE" sz="2400" dirty="0">
+              <a:solidFill>
+                <a:schemeClr val="tx1">
+                  <a:lumMod val="50000"/>
+                  <a:lumOff val="50000"/>
+                </a:schemeClr>
+              </a:solidFill>
+              <a:latin typeface="Calibri" panose="020F0502020204030204" pitchFamily="34" charset="0"/>
+              <a:cs typeface="Calibri" panose="020F0502020204030204" pitchFamily="34" charset="0"/>
+            </a:endParaRPr>
           </a:p>
         </p:txBody>
       </p:sp>
@@ -6608,6 +7127,310 @@
               <a:rPr lang="de-DE" smtClean="0"/>
               <a:pPr/>
               <a:t>11</a:t>
+            </a:fld>
+            <a:endParaRPr lang="de-DE" dirty="0"/>
+          </a:p>
+        </p:txBody>
+      </p:sp>
+      <p:sp>
+        <p:nvSpPr>
+          <p:cNvPr id="2" name="Fußzeilenplatzhalter 1">
+            <a:extLst>
+              <a:ext uri="{FF2B5EF4-FFF2-40B4-BE49-F238E27FC236}">
+                <a16:creationId xmlns:a16="http://schemas.microsoft.com/office/drawing/2014/main" id="{1DC7A913-4F53-6346-8764-129A4373CFF4}"/>
+              </a:ext>
+            </a:extLst>
+          </p:cNvPr>
+          <p:cNvSpPr>
+            <a:spLocks noGrp="1"/>
+          </p:cNvSpPr>
+          <p:nvPr>
+            <p:ph type="ftr" sz="quarter" idx="11"/>
+          </p:nvPr>
+        </p:nvSpPr>
+        <p:spPr>
+          <a:xfrm>
+            <a:off x="2483768" y="6251510"/>
+            <a:ext cx="4081964" cy="365125"/>
+          </a:xfrm>
+        </p:spPr>
+        <p:txBody>
+          <a:bodyPr/>
+          <a:lstStyle/>
+          <a:p>
+            <a:endParaRPr lang="de-DE" sz="1400" dirty="0"/>
+          </a:p>
+        </p:txBody>
+      </p:sp>
+      <p:sp>
+        <p:nvSpPr>
+          <p:cNvPr id="8" name="Rechteck 4">
+            <a:extLst>
+              <a:ext uri="{FF2B5EF4-FFF2-40B4-BE49-F238E27FC236}">
+                <a16:creationId xmlns:a16="http://schemas.microsoft.com/office/drawing/2014/main" id="{1D0BF8D9-AC0F-F142-9C26-205384427EA2}"/>
+              </a:ext>
+            </a:extLst>
+          </p:cNvPr>
+          <p:cNvSpPr/>
+          <p:nvPr/>
+        </p:nvSpPr>
+        <p:spPr>
+          <a:xfrm>
+            <a:off x="107505" y="6093296"/>
+            <a:ext cx="2232247" cy="646331"/>
+          </a:xfrm>
+          <a:prstGeom prst="rect">
+            <a:avLst/>
+          </a:prstGeom>
+          <a:ln>
+            <a:solidFill>
+              <a:schemeClr val="bg1"/>
+            </a:solidFill>
+          </a:ln>
+        </p:spPr>
+        <p:style>
+          <a:lnRef idx="2">
+            <a:schemeClr val="dk1"/>
+          </a:lnRef>
+          <a:fillRef idx="1">
+            <a:schemeClr val="lt1"/>
+          </a:fillRef>
+          <a:effectRef idx="0">
+            <a:schemeClr val="dk1"/>
+          </a:effectRef>
+          <a:fontRef idx="minor">
+            <a:schemeClr val="dk1"/>
+          </a:fontRef>
+        </p:style>
+        <p:txBody>
+          <a:bodyPr rtlCol="0" anchor="ctr"/>
+          <a:lstStyle/>
+          <a:p>
+            <a:pPr algn="ctr"/>
+            <a:endParaRPr lang="de-DE"/>
+          </a:p>
+        </p:txBody>
+      </p:sp>
+      <p:sp>
+        <p:nvSpPr>
+          <p:cNvPr id="4" name="Rectangle 3">
+            <a:extLst>
+              <a:ext uri="{FF2B5EF4-FFF2-40B4-BE49-F238E27FC236}">
+                <a16:creationId xmlns:a16="http://schemas.microsoft.com/office/drawing/2014/main" id="{84893198-39A3-8746-AB99-C55A25DC00B6}"/>
+              </a:ext>
+            </a:extLst>
+          </p:cNvPr>
+          <p:cNvSpPr/>
+          <p:nvPr/>
+        </p:nvSpPr>
+        <p:spPr>
+          <a:xfrm>
+            <a:off x="611560" y="1268760"/>
+            <a:ext cx="6120680" cy="1754326"/>
+          </a:xfrm>
+          <a:prstGeom prst="rect">
+            <a:avLst/>
+          </a:prstGeom>
+        </p:spPr>
+        <p:txBody>
+          <a:bodyPr wrap="square">
+            <a:spAutoFit/>
+          </a:bodyPr>
+          <a:lstStyle/>
+          <a:p>
+            <a:r>
+              <a:rPr lang="en-GB" dirty="0">
+                <a:latin typeface="Calibri" panose="020F0502020204030204" pitchFamily="34" charset="0"/>
+                <a:cs typeface="Calibri" panose="020F0502020204030204" pitchFamily="34" charset="0"/>
+                <a:hlinkClick r:id="rId3"/>
+              </a:rPr>
+              <a:t>https://github.com/saludwig26/Data-science-Team-5-1</a:t>
+            </a:r>
+            <a:endParaRPr lang="en-GB" dirty="0">
+              <a:latin typeface="Calibri" panose="020F0502020204030204" pitchFamily="34" charset="0"/>
+              <a:cs typeface="Calibri" panose="020F0502020204030204" pitchFamily="34" charset="0"/>
+            </a:endParaRPr>
+          </a:p>
+          <a:p>
+            <a:endParaRPr lang="en-GB" dirty="0">
+              <a:latin typeface="Calibri" panose="020F0502020204030204" pitchFamily="34" charset="0"/>
+              <a:cs typeface="Calibri" panose="020F0502020204030204" pitchFamily="34" charset="0"/>
+            </a:endParaRPr>
+          </a:p>
+          <a:p>
+            <a:r>
+              <a:rPr lang="en-GB" dirty="0">
+                <a:latin typeface="Calibri" panose="020F0502020204030204" pitchFamily="34" charset="0"/>
+                <a:cs typeface="Calibri" panose="020F0502020204030204" pitchFamily="34" charset="0"/>
+              </a:rPr>
+              <a:t>Repository </a:t>
+            </a:r>
+            <a:r>
+              <a:rPr lang="en-GB" dirty="0" err="1">
+                <a:latin typeface="Calibri" panose="020F0502020204030204" pitchFamily="34" charset="0"/>
+                <a:cs typeface="Calibri" panose="020F0502020204030204" pitchFamily="34" charset="0"/>
+              </a:rPr>
+              <a:t>mit</a:t>
+            </a:r>
+            <a:r>
+              <a:rPr lang="en-GB" dirty="0">
+                <a:latin typeface="Calibri" panose="020F0502020204030204" pitchFamily="34" charset="0"/>
+                <a:cs typeface="Calibri" panose="020F0502020204030204" pitchFamily="34" charset="0"/>
+              </a:rPr>
+              <a:t>:</a:t>
+            </a:r>
+            <a:br>
+              <a:rPr lang="en-GB" dirty="0">
+                <a:latin typeface="Calibri" panose="020F0502020204030204" pitchFamily="34" charset="0"/>
+                <a:cs typeface="Calibri" panose="020F0502020204030204" pitchFamily="34" charset="0"/>
+              </a:rPr>
+            </a:br>
+            <a:r>
+              <a:rPr lang="en-GB" dirty="0">
+                <a:latin typeface="Calibri" panose="020F0502020204030204" pitchFamily="34" charset="0"/>
+                <a:cs typeface="Calibri" panose="020F0502020204030204" pitchFamily="34" charset="0"/>
+              </a:rPr>
+              <a:t>• </a:t>
+            </a:r>
+            <a:r>
+              <a:rPr lang="en-GB" dirty="0" err="1">
+                <a:latin typeface="Calibri" panose="020F0502020204030204" pitchFamily="34" charset="0"/>
+                <a:cs typeface="Calibri" panose="020F0502020204030204" pitchFamily="34" charset="0"/>
+              </a:rPr>
+              <a:t>Datensatz</a:t>
+            </a:r>
+            <a:br>
+              <a:rPr lang="en-GB" dirty="0">
+                <a:latin typeface="Calibri" panose="020F0502020204030204" pitchFamily="34" charset="0"/>
+                <a:cs typeface="Calibri" panose="020F0502020204030204" pitchFamily="34" charset="0"/>
+              </a:rPr>
+            </a:br>
+            <a:r>
+              <a:rPr lang="en-GB" dirty="0">
+                <a:latin typeface="Calibri" panose="020F0502020204030204" pitchFamily="34" charset="0"/>
+                <a:cs typeface="Calibri" panose="020F0502020204030204" pitchFamily="34" charset="0"/>
+              </a:rPr>
+              <a:t>• </a:t>
+            </a:r>
+            <a:r>
+              <a:rPr lang="en-GB" dirty="0" err="1">
+                <a:latin typeface="Calibri" panose="020F0502020204030204" pitchFamily="34" charset="0"/>
+                <a:cs typeface="Calibri" panose="020F0502020204030204" pitchFamily="34" charset="0"/>
+              </a:rPr>
+              <a:t>Programmcode</a:t>
+            </a:r>
+            <a:br>
+              <a:rPr lang="en-GB" dirty="0">
+                <a:latin typeface="Calibri" panose="020F0502020204030204" pitchFamily="34" charset="0"/>
+                <a:cs typeface="Calibri" panose="020F0502020204030204" pitchFamily="34" charset="0"/>
+              </a:rPr>
+            </a:br>
+            <a:r>
+              <a:rPr lang="en-GB" dirty="0">
+                <a:latin typeface="Calibri" panose="020F0502020204030204" pitchFamily="34" charset="0"/>
+                <a:cs typeface="Calibri" panose="020F0502020204030204" pitchFamily="34" charset="0"/>
+              </a:rPr>
+              <a:t>• </a:t>
+            </a:r>
+            <a:r>
+              <a:rPr lang="en-GB" dirty="0" err="1">
+                <a:latin typeface="Calibri" panose="020F0502020204030204" pitchFamily="34" charset="0"/>
+                <a:cs typeface="Calibri" panose="020F0502020204030204" pitchFamily="34" charset="0"/>
+              </a:rPr>
+              <a:t>Präsentation</a:t>
+            </a:r>
+            <a:endParaRPr lang="en-AU" dirty="0">
+              <a:latin typeface="Calibri" panose="020F0502020204030204" pitchFamily="34" charset="0"/>
+              <a:cs typeface="Calibri" panose="020F0502020204030204" pitchFamily="34" charset="0"/>
+            </a:endParaRPr>
+          </a:p>
+        </p:txBody>
+      </p:sp>
+    </p:spTree>
+    <p:extLst>
+      <p:ext uri="{BB962C8B-B14F-4D97-AF65-F5344CB8AC3E}">
+        <p14:creationId xmlns:p14="http://schemas.microsoft.com/office/powerpoint/2010/main" val="3688979529"/>
+      </p:ext>
+    </p:extLst>
+  </p:cSld>
+  <p:clrMapOvr>
+    <a:masterClrMapping/>
+  </p:clrMapOvr>
+</p:sld>
+</file>
+
+<file path=ppt/slides/slide12.xml><?xml version="1.0" encoding="utf-8"?>
+<p:sld xmlns:a="http://schemas.openxmlformats.org/drawingml/2006/main" xmlns:r="http://schemas.openxmlformats.org/officeDocument/2006/relationships" xmlns:p="http://schemas.openxmlformats.org/presentationml/2006/main">
+  <p:cSld>
+    <p:spTree>
+      <p:nvGrpSpPr>
+        <p:cNvPr id="1" name=""/>
+        <p:cNvGrpSpPr/>
+        <p:nvPr/>
+      </p:nvGrpSpPr>
+      <p:grpSpPr>
+        <a:xfrm>
+          <a:off x="0" y="0"/>
+          <a:ext cx="0" cy="0"/>
+          <a:chOff x="0" y="0"/>
+          <a:chExt cx="0" cy="0"/>
+        </a:xfrm>
+      </p:grpSpPr>
+      <p:sp>
+        <p:nvSpPr>
+          <p:cNvPr id="8194" name="Rectangle 2"/>
+          <p:cNvSpPr>
+            <a:spLocks noGrp="1" noChangeArrowheads="1"/>
+          </p:cNvSpPr>
+          <p:nvPr>
+            <p:ph type="title"/>
+          </p:nvPr>
+        </p:nvSpPr>
+        <p:spPr>
+          <a:xfrm>
+            <a:off x="762098" y="1568088"/>
+            <a:ext cx="7920880" cy="761999"/>
+          </a:xfrm>
+        </p:spPr>
+        <p:txBody>
+          <a:bodyPr anchor="ctr"/>
+          <a:lstStyle/>
+          <a:p>
+            <a:pPr>
+              <a:defRPr/>
+            </a:pPr>
+            <a:r>
+              <a:rPr lang="de-DE" dirty="0"/>
+              <a:t>Danke für Eure Aufmerksamkeit! </a:t>
+            </a:r>
+          </a:p>
+        </p:txBody>
+      </p:sp>
+      <p:sp>
+        <p:nvSpPr>
+          <p:cNvPr id="3" name="Foliennummernplatzhalter 2">
+            <a:extLst>
+              <a:ext uri="{FF2B5EF4-FFF2-40B4-BE49-F238E27FC236}">
+                <a16:creationId xmlns:a16="http://schemas.microsoft.com/office/drawing/2014/main" id="{356532F3-A40E-3544-BC28-367FA2E6B194}"/>
+              </a:ext>
+            </a:extLst>
+          </p:cNvPr>
+          <p:cNvSpPr>
+            <a:spLocks noGrp="1"/>
+          </p:cNvSpPr>
+          <p:nvPr>
+            <p:ph type="sldNum" sz="quarter" idx="12"/>
+          </p:nvPr>
+        </p:nvSpPr>
+        <p:spPr/>
+        <p:txBody>
+          <a:bodyPr/>
+          <a:lstStyle/>
+          <a:p>
+            <a:fld id="{DEED8D61-E8B6-E041-9D61-71A033DF76C2}" type="slidenum">
+              <a:rPr lang="de-DE" smtClean="0"/>
+              <a:pPr/>
+              <a:t>12</a:t>
             </a:fld>
             <a:endParaRPr lang="de-DE" dirty="0"/>
           </a:p>
@@ -6671,14 +7494,14 @@
           </a:ln>
           <a:extLst>
             <a:ext uri="{909E8E84-426E-40dd-AFC4-6F175D3DCCD1}">
-              <a14:hiddenFill xmlns="" xmlns:a14="http://schemas.microsoft.com/office/drawing/2010/main" xmlns:mv="urn:schemas-microsoft-com:mac:vml" xmlns:mc="http://schemas.openxmlformats.org/markup-compatibility/2006">
+              <a14:hiddenFill xmlns:mc="http://schemas.openxmlformats.org/markup-compatibility/2006" xmlns:mv="urn:schemas-microsoft-com:mac:vml" xmlns:a14="http://schemas.microsoft.com/office/drawing/2010/main" xmlns="">
                 <a:solidFill>
                   <a:srgbClr val="FFFFFF"/>
                 </a:solidFill>
               </a14:hiddenFill>
             </a:ext>
             <a:ext uri="{91240B29-F687-4f45-9708-019B960494DF}">
-              <a14:hiddenLine xmlns="" xmlns:a14="http://schemas.microsoft.com/office/drawing/2010/main" xmlns:mv="urn:schemas-microsoft-com:mac:vml" xmlns:mc="http://schemas.openxmlformats.org/markup-compatibility/2006" w="9525">
+              <a14:hiddenLine xmlns:mc="http://schemas.openxmlformats.org/markup-compatibility/2006" xmlns:mv="urn:schemas-microsoft-com:mac:vml" xmlns:a14="http://schemas.microsoft.com/office/drawing/2010/main" xmlns="" w="9525">
                 <a:solidFill>
                   <a:srgbClr val="000000"/>
                 </a:solidFill>
@@ -12604,6 +13427,134 @@
       </p:grpSpPr>
       <p:sp>
         <p:nvSpPr>
+          <p:cNvPr id="4" name="Slide Number Placeholder 3">
+            <a:extLst>
+              <a:ext uri="{FF2B5EF4-FFF2-40B4-BE49-F238E27FC236}">
+                <a16:creationId xmlns:a16="http://schemas.microsoft.com/office/drawing/2014/main" id="{0234FF95-7CD6-524D-AB09-1029338448B6}"/>
+              </a:ext>
+            </a:extLst>
+          </p:cNvPr>
+          <p:cNvSpPr>
+            <a:spLocks noGrp="1"/>
+          </p:cNvSpPr>
+          <p:nvPr>
+            <p:ph type="sldNum" sz="quarter" idx="12"/>
+          </p:nvPr>
+        </p:nvSpPr>
+        <p:spPr/>
+        <p:txBody>
+          <a:bodyPr/>
+          <a:lstStyle/>
+          <a:p>
+            <a:fld id="{DEED8D61-E8B6-E041-9D61-71A033DF76C2}" type="slidenum">
+              <a:rPr lang="de-DE" smtClean="0"/>
+              <a:pPr/>
+              <a:t>8</a:t>
+            </a:fld>
+            <a:endParaRPr lang="de-DE" dirty="0"/>
+          </a:p>
+        </p:txBody>
+      </p:sp>
+      <p:pic>
+        <p:nvPicPr>
+          <p:cNvPr id="6" name="Content Placeholder 5">
+            <a:extLst>
+              <a:ext uri="{FF2B5EF4-FFF2-40B4-BE49-F238E27FC236}">
+                <a16:creationId xmlns:a16="http://schemas.microsoft.com/office/drawing/2014/main" id="{D415ED3F-2F46-3248-BC4C-3CB0D287AE28}"/>
+              </a:ext>
+            </a:extLst>
+          </p:cNvPr>
+          <p:cNvPicPr>
+            <a:picLocks noGrp="1" noChangeAspect="1"/>
+          </p:cNvPicPr>
+          <p:nvPr>
+            <p:ph idx="1"/>
+          </p:nvPr>
+        </p:nvPicPr>
+        <p:blipFill>
+          <a:blip r:embed="rId2"/>
+          <a:stretch>
+            <a:fillRect/>
+          </a:stretch>
+        </p:blipFill>
+        <p:spPr>
+          <a:xfrm>
+            <a:off x="122189" y="1268760"/>
+            <a:ext cx="8914307" cy="4459582"/>
+          </a:xfrm>
+          <a:prstGeom prst="rect">
+            <a:avLst/>
+          </a:prstGeom>
+        </p:spPr>
+      </p:pic>
+      <p:sp>
+        <p:nvSpPr>
+          <p:cNvPr id="7" name="Title 6">
+            <a:extLst>
+              <a:ext uri="{FF2B5EF4-FFF2-40B4-BE49-F238E27FC236}">
+                <a16:creationId xmlns:a16="http://schemas.microsoft.com/office/drawing/2014/main" id="{18D12962-2667-244C-9EE1-8844DBBA8612}"/>
+              </a:ext>
+            </a:extLst>
+          </p:cNvPr>
+          <p:cNvSpPr txBox="1">
+            <a:spLocks noGrp="1"/>
+          </p:cNvSpPr>
+          <p:nvPr>
+            <p:ph type="title"/>
+          </p:nvPr>
+        </p:nvSpPr>
+        <p:spPr>
+          <a:prstGeom prst="rect">
+            <a:avLst/>
+          </a:prstGeom>
+          <a:noFill/>
+        </p:spPr>
+        <p:txBody>
+          <a:bodyPr wrap="square" rtlCol="0">
+            <a:spAutoFit/>
+          </a:bodyPr>
+          <a:lstStyle/>
+          <a:p>
+            <a:pPr algn="ctr"/>
+            <a:r>
+              <a:rPr lang="en-DE" sz="2400" b="1" dirty="0"/>
+              <a:t>Workflow : Neuronales Netz </a:t>
+            </a:r>
+          </a:p>
+        </p:txBody>
+      </p:sp>
+    </p:spTree>
+    <p:extLst>
+      <p:ext uri="{BB962C8B-B14F-4D97-AF65-F5344CB8AC3E}">
+        <p14:creationId xmlns:p14="http://schemas.microsoft.com/office/powerpoint/2010/main" val="2887997553"/>
+      </p:ext>
+    </p:extLst>
+  </p:cSld>
+  <p:clrMapOvr>
+    <a:masterClrMapping/>
+  </p:clrMapOvr>
+</p:sld>
+</file>
+
+<file path=ppt/slides/slide9.xml><?xml version="1.0" encoding="utf-8"?>
+<p:sld xmlns:a="http://schemas.openxmlformats.org/drawingml/2006/main" xmlns:r="http://schemas.openxmlformats.org/officeDocument/2006/relationships" xmlns:p="http://schemas.openxmlformats.org/presentationml/2006/main">
+  <p:cSld>
+    <p:spTree>
+      <p:nvGrpSpPr>
+        <p:cNvPr id="1" name=""/>
+        <p:cNvGrpSpPr/>
+        <p:nvPr/>
+      </p:nvGrpSpPr>
+      <p:grpSpPr>
+        <a:xfrm>
+          <a:off x="0" y="0"/>
+          <a:ext cx="0" cy="0"/>
+          <a:chOff x="0" y="0"/>
+          <a:chExt cx="0" cy="0"/>
+        </a:xfrm>
+      </p:grpSpPr>
+      <p:sp>
+        <p:nvSpPr>
           <p:cNvPr id="8194" name="Rectangle 2"/>
           <p:cNvSpPr>
             <a:spLocks noGrp="1" noChangeArrowheads="1"/>
@@ -12756,7 +13707,7 @@
             <a:fld id="{DEED8D61-E8B6-E041-9D61-71A033DF76C2}" type="slidenum">
               <a:rPr lang="de-DE" smtClean="0"/>
               <a:pPr/>
-              <a:t>8</a:t>
+              <a:t>9</a:t>
             </a:fld>
             <a:endParaRPr lang="de-DE" dirty="0"/>
           </a:p>
@@ -14071,828 +15022,6 @@
     <p:extLst>
       <p:ext uri="{BB962C8B-B14F-4D97-AF65-F5344CB8AC3E}">
         <p14:creationId xmlns:p14="http://schemas.microsoft.com/office/powerpoint/2010/main" val="1598717745"/>
-      </p:ext>
-    </p:extLst>
-  </p:cSld>
-  <p:clrMapOvr>
-    <a:masterClrMapping/>
-  </p:clrMapOvr>
-</p:sld>
-</file>
-
-<file path=ppt/slides/slide9.xml><?xml version="1.0" encoding="utf-8"?>
-<p:sld xmlns:a="http://schemas.openxmlformats.org/drawingml/2006/main" xmlns:r="http://schemas.openxmlformats.org/officeDocument/2006/relationships" xmlns:p="http://schemas.openxmlformats.org/presentationml/2006/main">
-  <p:cSld>
-    <p:spTree>
-      <p:nvGrpSpPr>
-        <p:cNvPr id="1" name=""/>
-        <p:cNvGrpSpPr/>
-        <p:nvPr/>
-      </p:nvGrpSpPr>
-      <p:grpSpPr>
-        <a:xfrm>
-          <a:off x="0" y="0"/>
-          <a:ext cx="0" cy="0"/>
-          <a:chOff x="0" y="0"/>
-          <a:chExt cx="0" cy="0"/>
-        </a:xfrm>
-      </p:grpSpPr>
-      <p:sp>
-        <p:nvSpPr>
-          <p:cNvPr id="8194" name="Rectangle 2"/>
-          <p:cNvSpPr>
-            <a:spLocks noGrp="1" noChangeArrowheads="1"/>
-          </p:cNvSpPr>
-          <p:nvPr>
-            <p:ph type="title"/>
-          </p:nvPr>
-        </p:nvSpPr>
-        <p:spPr>
-          <a:xfrm>
-            <a:off x="467544" y="44624"/>
-            <a:ext cx="8676456" cy="761999"/>
-          </a:xfrm>
-        </p:spPr>
-        <p:txBody>
-          <a:bodyPr anchor="ctr"/>
-          <a:lstStyle/>
-          <a:p>
-            <a:r>
-              <a:rPr lang="en-GB" sz="2400" dirty="0" err="1">
-                <a:latin typeface="Calibri" panose="020F0502020204030204" pitchFamily="34" charset="0"/>
-                <a:cs typeface="Calibri" panose="020F0502020204030204" pitchFamily="34" charset="0"/>
-              </a:rPr>
-              <a:t>Ergebnisse</a:t>
-            </a:r>
-            <a:r>
-              <a:rPr lang="en-GB" sz="2400" dirty="0">
-                <a:latin typeface="Calibri" panose="020F0502020204030204" pitchFamily="34" charset="0"/>
-                <a:cs typeface="Calibri" panose="020F0502020204030204" pitchFamily="34" charset="0"/>
-              </a:rPr>
-              <a:t> der </a:t>
-            </a:r>
-            <a:r>
-              <a:rPr lang="en-GB" sz="2400" dirty="0" err="1">
-                <a:latin typeface="Calibri" panose="020F0502020204030204" pitchFamily="34" charset="0"/>
-                <a:cs typeface="Calibri" panose="020F0502020204030204" pitchFamily="34" charset="0"/>
-              </a:rPr>
-              <a:t>Schätzung</a:t>
-            </a:r>
-            <a:r>
-              <a:rPr lang="en-GB" sz="2400" dirty="0">
-                <a:latin typeface="Calibri" panose="020F0502020204030204" pitchFamily="34" charset="0"/>
-                <a:cs typeface="Calibri" panose="020F0502020204030204" pitchFamily="34" charset="0"/>
-              </a:rPr>
-              <a:t> </a:t>
-            </a:r>
-            <a:r>
-              <a:rPr lang="en-GB" sz="2400" dirty="0" err="1">
-                <a:latin typeface="Calibri" panose="020F0502020204030204" pitchFamily="34" charset="0"/>
-                <a:cs typeface="Calibri" panose="020F0502020204030204" pitchFamily="34" charset="0"/>
-              </a:rPr>
-              <a:t>eines</a:t>
-            </a:r>
-            <a:r>
-              <a:rPr lang="en-GB" sz="2400" dirty="0">
-                <a:latin typeface="Calibri" panose="020F0502020204030204" pitchFamily="34" charset="0"/>
-                <a:cs typeface="Calibri" panose="020F0502020204030204" pitchFamily="34" charset="0"/>
-              </a:rPr>
-              <a:t> </a:t>
-            </a:r>
-            <a:r>
-              <a:rPr lang="en-GB" sz="2400" dirty="0" err="1">
-                <a:latin typeface="Calibri" panose="020F0502020204030204" pitchFamily="34" charset="0"/>
-                <a:cs typeface="Calibri" panose="020F0502020204030204" pitchFamily="34" charset="0"/>
-              </a:rPr>
-              <a:t>neuronalen</a:t>
-            </a:r>
-            <a:r>
-              <a:rPr lang="en-GB" sz="2400" dirty="0">
-                <a:latin typeface="Calibri" panose="020F0502020204030204" pitchFamily="34" charset="0"/>
-                <a:cs typeface="Calibri" panose="020F0502020204030204" pitchFamily="34" charset="0"/>
-              </a:rPr>
-              <a:t> </a:t>
-            </a:r>
-            <a:r>
-              <a:rPr lang="en-GB" sz="2400" dirty="0" err="1">
-                <a:latin typeface="Calibri" panose="020F0502020204030204" pitchFamily="34" charset="0"/>
-                <a:cs typeface="Calibri" panose="020F0502020204030204" pitchFamily="34" charset="0"/>
-              </a:rPr>
-              <a:t>Netzes</a:t>
-            </a:r>
-            <a:r>
-              <a:rPr lang="en-GB" sz="2400" dirty="0">
-                <a:latin typeface="Calibri" panose="020F0502020204030204" pitchFamily="34" charset="0"/>
-                <a:cs typeface="Calibri" panose="020F0502020204030204" pitchFamily="34" charset="0"/>
-              </a:rPr>
-              <a:t> </a:t>
-            </a:r>
-            <a:br>
-              <a:rPr lang="en-GB" sz="2400" dirty="0">
-                <a:latin typeface="Calibri" panose="020F0502020204030204" pitchFamily="34" charset="0"/>
-                <a:cs typeface="Calibri" panose="020F0502020204030204" pitchFamily="34" charset="0"/>
-              </a:rPr>
-            </a:br>
-            <a:r>
-              <a:rPr lang="en-GB" sz="2400" dirty="0">
-                <a:latin typeface="Calibri" panose="020F0502020204030204" pitchFamily="34" charset="0"/>
-                <a:cs typeface="Calibri" panose="020F0502020204030204" pitchFamily="34" charset="0"/>
-              </a:rPr>
-              <a:t> (</a:t>
-            </a:r>
-            <a:r>
-              <a:rPr lang="en-GB" sz="2400" dirty="0" err="1">
-                <a:latin typeface="Calibri" panose="020F0502020204030204" pitchFamily="34" charset="0"/>
-                <a:cs typeface="Calibri" panose="020F0502020204030204" pitchFamily="34" charset="0"/>
-              </a:rPr>
-              <a:t>Vorhersage</a:t>
-            </a:r>
-            <a:r>
-              <a:rPr lang="en-GB" sz="2400" dirty="0">
-                <a:latin typeface="Calibri" panose="020F0502020204030204" pitchFamily="34" charset="0"/>
-                <a:cs typeface="Calibri" panose="020F0502020204030204" pitchFamily="34" charset="0"/>
-              </a:rPr>
-              <a:t> </a:t>
-            </a:r>
-            <a:r>
-              <a:rPr lang="en-GB" sz="2400" dirty="0" err="1">
-                <a:latin typeface="Calibri" panose="020F0502020204030204" pitchFamily="34" charset="0"/>
-                <a:cs typeface="Calibri" panose="020F0502020204030204" pitchFamily="34" charset="0"/>
-              </a:rPr>
-              <a:t>für</a:t>
-            </a:r>
-            <a:r>
-              <a:rPr lang="en-GB" sz="2400" dirty="0">
-                <a:latin typeface="Calibri" panose="020F0502020204030204" pitchFamily="34" charset="0"/>
-                <a:cs typeface="Calibri" panose="020F0502020204030204" pitchFamily="34" charset="0"/>
-              </a:rPr>
-              <a:t> den 04.06.2019)</a:t>
-            </a:r>
-            <a:endParaRPr lang="en-GB" dirty="0">
-              <a:latin typeface="Calibri" panose="020F0502020204030204" pitchFamily="34" charset="0"/>
-              <a:cs typeface="Calibri" panose="020F0502020204030204" pitchFamily="34" charset="0"/>
-            </a:endParaRPr>
-          </a:p>
-        </p:txBody>
-      </p:sp>
-      <p:sp>
-        <p:nvSpPr>
-          <p:cNvPr id="3" name="Foliennummernplatzhalter 2">
-            <a:extLst>
-              <a:ext uri="{FF2B5EF4-FFF2-40B4-BE49-F238E27FC236}">
-                <a16:creationId xmlns:a16="http://schemas.microsoft.com/office/drawing/2014/main" id="{356532F3-A40E-3544-BC28-367FA2E6B194}"/>
-              </a:ext>
-            </a:extLst>
-          </p:cNvPr>
-          <p:cNvSpPr>
-            <a:spLocks noGrp="1"/>
-          </p:cNvSpPr>
-          <p:nvPr>
-            <p:ph type="sldNum" sz="quarter" idx="12"/>
-          </p:nvPr>
-        </p:nvSpPr>
-        <p:spPr/>
-        <p:txBody>
-          <a:bodyPr/>
-          <a:lstStyle/>
-          <a:p>
-            <a:fld id="{DEED8D61-E8B6-E041-9D61-71A033DF76C2}" type="slidenum">
-              <a:rPr lang="de-DE" smtClean="0"/>
-              <a:pPr/>
-              <a:t>9</a:t>
-            </a:fld>
-            <a:endParaRPr lang="de-DE" dirty="0"/>
-          </a:p>
-        </p:txBody>
-      </p:sp>
-      <p:sp>
-        <p:nvSpPr>
-          <p:cNvPr id="2" name="Fußzeilenplatzhalter 1">
-            <a:extLst>
-              <a:ext uri="{FF2B5EF4-FFF2-40B4-BE49-F238E27FC236}">
-                <a16:creationId xmlns:a16="http://schemas.microsoft.com/office/drawing/2014/main" id="{1DC7A913-4F53-6346-8764-129A4373CFF4}"/>
-              </a:ext>
-            </a:extLst>
-          </p:cNvPr>
-          <p:cNvSpPr>
-            <a:spLocks noGrp="1"/>
-          </p:cNvSpPr>
-          <p:nvPr>
-            <p:ph type="ftr" sz="quarter" idx="11"/>
-          </p:nvPr>
-        </p:nvSpPr>
-        <p:spPr>
-          <a:xfrm>
-            <a:off x="2483768" y="6251510"/>
-            <a:ext cx="4081964" cy="365125"/>
-          </a:xfrm>
-        </p:spPr>
-        <p:txBody>
-          <a:bodyPr/>
-          <a:lstStyle/>
-          <a:p>
-            <a:endParaRPr lang="de-DE" sz="1400" dirty="0"/>
-          </a:p>
-        </p:txBody>
-      </p:sp>
-      <p:sp>
-        <p:nvSpPr>
-          <p:cNvPr id="8" name="Rechteck 4">
-            <a:extLst>
-              <a:ext uri="{FF2B5EF4-FFF2-40B4-BE49-F238E27FC236}">
-                <a16:creationId xmlns:a16="http://schemas.microsoft.com/office/drawing/2014/main" id="{1D0BF8D9-AC0F-F142-9C26-205384427EA2}"/>
-              </a:ext>
-            </a:extLst>
-          </p:cNvPr>
-          <p:cNvSpPr/>
-          <p:nvPr/>
-        </p:nvSpPr>
-        <p:spPr>
-          <a:xfrm>
-            <a:off x="107505" y="6093296"/>
-            <a:ext cx="2232247" cy="646331"/>
-          </a:xfrm>
-          <a:prstGeom prst="rect">
-            <a:avLst/>
-          </a:prstGeom>
-          <a:ln>
-            <a:solidFill>
-              <a:schemeClr val="bg1"/>
-            </a:solidFill>
-          </a:ln>
-        </p:spPr>
-        <p:style>
-          <a:lnRef idx="2">
-            <a:schemeClr val="dk1"/>
-          </a:lnRef>
-          <a:fillRef idx="1">
-            <a:schemeClr val="lt1"/>
-          </a:fillRef>
-          <a:effectRef idx="0">
-            <a:schemeClr val="dk1"/>
-          </a:effectRef>
-          <a:fontRef idx="minor">
-            <a:schemeClr val="dk1"/>
-          </a:fontRef>
-        </p:style>
-        <p:txBody>
-          <a:bodyPr rtlCol="0" anchor="ctr"/>
-          <a:lstStyle/>
-          <a:p>
-            <a:pPr algn="ctr"/>
-            <a:endParaRPr lang="de-DE"/>
-          </a:p>
-        </p:txBody>
-      </p:sp>
-      <p:graphicFrame>
-        <p:nvGraphicFramePr>
-          <p:cNvPr id="6" name="Table 6">
-            <a:extLst>
-              <a:ext uri="{FF2B5EF4-FFF2-40B4-BE49-F238E27FC236}">
-                <a16:creationId xmlns:a16="http://schemas.microsoft.com/office/drawing/2014/main" id="{E1903564-7DF7-5744-976B-EBA17FF56370}"/>
-              </a:ext>
-            </a:extLst>
-          </p:cNvPr>
-          <p:cNvGraphicFramePr>
-            <a:graphicFrameLocks noGrp="1"/>
-          </p:cNvGraphicFramePr>
-          <p:nvPr>
-            <p:extLst>
-              <p:ext uri="{D42A27DB-BD31-4B8C-83A1-F6EECF244321}">
-                <p14:modId xmlns:p14="http://schemas.microsoft.com/office/powerpoint/2010/main" val="2172887718"/>
-              </p:ext>
-            </p:extLst>
-          </p:nvPr>
-        </p:nvGraphicFramePr>
-        <p:xfrm>
-          <a:off x="1223628" y="1438499"/>
-          <a:ext cx="6480720" cy="3864707"/>
-        </p:xfrm>
-        <a:graphic>
-          <a:graphicData uri="http://schemas.openxmlformats.org/drawingml/2006/table">
-            <a:tbl>
-              <a:tblPr firstRow="1" bandRow="1">
-                <a:tableStyleId>{5940675A-B579-460E-94D1-54222C63F5DA}</a:tableStyleId>
-              </a:tblPr>
-              <a:tblGrid>
-                <a:gridCol w="3220690">
-                  <a:extLst>
-                    <a:ext uri="{9D8B030D-6E8A-4147-A177-3AD203B41FA5}">
-                      <a16:colId xmlns:a16="http://schemas.microsoft.com/office/drawing/2014/main" val="4271733570"/>
-                    </a:ext>
-                  </a:extLst>
-                </a:gridCol>
-                <a:gridCol w="3260030">
-                  <a:extLst>
-                    <a:ext uri="{9D8B030D-6E8A-4147-A177-3AD203B41FA5}">
-                      <a16:colId xmlns:a16="http://schemas.microsoft.com/office/drawing/2014/main" val="4168449459"/>
-                    </a:ext>
-                  </a:extLst>
-                </a:gridCol>
-              </a:tblGrid>
-              <a:tr h="552101">
-                <a:tc>
-                  <a:txBody>
-                    <a:bodyPr/>
-                    <a:lstStyle/>
-                    <a:p>
-                      <a:pPr algn="ctr"/>
-                      <a:r>
-                        <a:rPr lang="en-AU" sz="2000" b="1" dirty="0" err="1"/>
-                        <a:t>Warengruppe</a:t>
-                      </a:r>
-                      <a:endParaRPr lang="en-AU" sz="2000" b="1" dirty="0"/>
-                    </a:p>
-                  </a:txBody>
-                  <a:tcPr anchor="ctr"/>
-                </a:tc>
-                <a:tc>
-                  <a:txBody>
-                    <a:bodyPr/>
-                    <a:lstStyle/>
-                    <a:p>
-                      <a:pPr algn="ctr"/>
-                      <a:r>
-                        <a:rPr lang="en-AU" sz="1800" b="1" dirty="0" err="1"/>
-                        <a:t>Umsatz</a:t>
-                      </a:r>
-                      <a:r>
-                        <a:rPr lang="en-AU" sz="1800" b="1" dirty="0"/>
-                        <a:t>(-</a:t>
-                      </a:r>
-                      <a:r>
-                        <a:rPr lang="en-AU" sz="1800" b="1" dirty="0" err="1"/>
-                        <a:t>vorhersage</a:t>
-                      </a:r>
-                      <a:r>
-                        <a:rPr lang="en-AU" sz="1800" b="1" dirty="0"/>
-                        <a:t>) [</a:t>
-                      </a:r>
-                      <a:r>
-                        <a:rPr lang="de-DE" sz="1800" b="1" dirty="0"/>
-                        <a:t>€</a:t>
-                      </a:r>
-                      <a:r>
-                        <a:rPr lang="en-AU" sz="1800" b="1" dirty="0"/>
-                        <a:t>]</a:t>
-                      </a:r>
-                    </a:p>
-                  </a:txBody>
-                  <a:tcPr anchor="ctr"/>
-                </a:tc>
-                <a:extLst>
-                  <a:ext uri="{0D108BD9-81ED-4DB2-BD59-A6C34878D82A}">
-                    <a16:rowId xmlns:a16="http://schemas.microsoft.com/office/drawing/2014/main" val="204829037"/>
-                  </a:ext>
-                </a:extLst>
-              </a:tr>
-              <a:tr h="552101">
-                <a:tc>
-                  <a:txBody>
-                    <a:bodyPr/>
-                    <a:lstStyle/>
-                    <a:p>
-                      <a:pPr algn="ctr"/>
-                      <a:r>
-                        <a:rPr lang="en-AU" sz="1800" b="0" dirty="0"/>
-                        <a:t>1 (</a:t>
-                      </a:r>
-                      <a:r>
-                        <a:rPr lang="en-AU" sz="1800" b="0" dirty="0" err="1"/>
-                        <a:t>Brot</a:t>
-                      </a:r>
-                      <a:r>
-                        <a:rPr lang="en-AU" sz="1800" b="0" dirty="0"/>
-                        <a:t>)</a:t>
-                      </a:r>
-                    </a:p>
-                  </a:txBody>
-                  <a:tcPr anchor="ctr"/>
-                </a:tc>
-                <a:tc>
-                  <a:txBody>
-                    <a:bodyPr/>
-                    <a:lstStyle/>
-                    <a:p>
-                      <a:pPr algn="ctr"/>
-                      <a:r>
-                        <a:rPr lang="en-AU" sz="2000" b="1" dirty="0">
-                          <a:solidFill>
-                            <a:schemeClr val="accent6">
-                              <a:lumMod val="75000"/>
-                            </a:schemeClr>
-                          </a:solidFill>
-                        </a:rPr>
-                        <a:t>188</a:t>
-                      </a:r>
-                    </a:p>
-                  </a:txBody>
-                  <a:tcPr anchor="ctr"/>
-                </a:tc>
-                <a:extLst>
-                  <a:ext uri="{0D108BD9-81ED-4DB2-BD59-A6C34878D82A}">
-                    <a16:rowId xmlns:a16="http://schemas.microsoft.com/office/drawing/2014/main" val="3426599036"/>
-                  </a:ext>
-                </a:extLst>
-              </a:tr>
-              <a:tr h="552101">
-                <a:tc>
-                  <a:txBody>
-                    <a:bodyPr/>
-                    <a:lstStyle/>
-                    <a:p>
-                      <a:pPr algn="ctr"/>
-                      <a:r>
-                        <a:rPr lang="en-AU" sz="1800" b="0" dirty="0"/>
-                        <a:t>2 (</a:t>
-                      </a:r>
-                      <a:r>
-                        <a:rPr lang="en-AU" sz="1800" b="0" dirty="0" err="1"/>
-                        <a:t>Brötchen</a:t>
-                      </a:r>
-                      <a:r>
-                        <a:rPr lang="en-AU" sz="1800" b="0" dirty="0"/>
-                        <a:t>)</a:t>
-                      </a:r>
-                    </a:p>
-                  </a:txBody>
-                  <a:tcPr anchor="ctr"/>
-                </a:tc>
-                <a:tc>
-                  <a:txBody>
-                    <a:bodyPr/>
-                    <a:lstStyle/>
-                    <a:p>
-                      <a:pPr algn="ctr"/>
-                      <a:r>
-                        <a:rPr lang="en-AU" sz="2000" b="1" dirty="0">
-                          <a:solidFill>
-                            <a:schemeClr val="accent6">
-                              <a:lumMod val="75000"/>
-                            </a:schemeClr>
-                          </a:solidFill>
-                        </a:rPr>
-                        <a:t>292</a:t>
-                      </a:r>
-                    </a:p>
-                  </a:txBody>
-                  <a:tcPr anchor="ctr"/>
-                </a:tc>
-                <a:extLst>
-                  <a:ext uri="{0D108BD9-81ED-4DB2-BD59-A6C34878D82A}">
-                    <a16:rowId xmlns:a16="http://schemas.microsoft.com/office/drawing/2014/main" val="983178364"/>
-                  </a:ext>
-                </a:extLst>
-              </a:tr>
-              <a:tr h="552101">
-                <a:tc>
-                  <a:txBody>
-                    <a:bodyPr/>
-                    <a:lstStyle/>
-                    <a:p>
-                      <a:pPr marL="0" marR="0" lvl="0" indent="0" algn="ctr" defTabSz="457144" rtl="0" eaLnBrk="1" fontAlgn="auto" latinLnBrk="0" hangingPunct="1">
-                        <a:lnSpc>
-                          <a:spcPct val="100000"/>
-                        </a:lnSpc>
-                        <a:spcBef>
-                          <a:spcPts val="0"/>
-                        </a:spcBef>
-                        <a:spcAft>
-                          <a:spcPts val="0"/>
-                        </a:spcAft>
-                        <a:buClrTx/>
-                        <a:buSzTx/>
-                        <a:buFontTx/>
-                        <a:buNone/>
-                        <a:tabLst/>
-                        <a:defRPr/>
-                      </a:pPr>
-                      <a:r>
-                        <a:rPr lang="en-AU" sz="1800" b="0" dirty="0"/>
-                        <a:t>3 (</a:t>
-                      </a:r>
-                      <a:r>
-                        <a:rPr lang="en-GB" sz="1800" b="0" kern="1200" dirty="0">
-                          <a:solidFill>
-                            <a:schemeClr val="tx1"/>
-                          </a:solidFill>
-                          <a:effectLst/>
-                          <a:latin typeface="+mn-lt"/>
-                          <a:ea typeface="+mn-ea"/>
-                          <a:cs typeface="+mn-cs"/>
-                        </a:rPr>
-                        <a:t>Croissant)</a:t>
-                      </a:r>
-                    </a:p>
-                  </a:txBody>
-                  <a:tcPr anchor="ctr"/>
-                </a:tc>
-                <a:tc>
-                  <a:txBody>
-                    <a:bodyPr/>
-                    <a:lstStyle/>
-                    <a:p>
-                      <a:pPr marL="0" marR="0" lvl="0" indent="0" algn="ctr" defTabSz="457144" rtl="0" eaLnBrk="1" fontAlgn="auto" latinLnBrk="0" hangingPunct="1">
-                        <a:lnSpc>
-                          <a:spcPct val="100000"/>
-                        </a:lnSpc>
-                        <a:spcBef>
-                          <a:spcPts val="0"/>
-                        </a:spcBef>
-                        <a:spcAft>
-                          <a:spcPts val="0"/>
-                        </a:spcAft>
-                        <a:buClrTx/>
-                        <a:buSzTx/>
-                        <a:buFontTx/>
-                        <a:buNone/>
-                        <a:tabLst/>
-                        <a:defRPr/>
-                      </a:pPr>
-                      <a:r>
-                        <a:rPr lang="en-AU" sz="2000" b="1" dirty="0">
-                          <a:solidFill>
-                            <a:schemeClr val="accent6">
-                              <a:lumMod val="75000"/>
-                            </a:schemeClr>
-                          </a:solidFill>
-                        </a:rPr>
-                        <a:t>186</a:t>
-                      </a:r>
-                    </a:p>
-                  </a:txBody>
-                  <a:tcPr anchor="ctr"/>
-                </a:tc>
-                <a:extLst>
-                  <a:ext uri="{0D108BD9-81ED-4DB2-BD59-A6C34878D82A}">
-                    <a16:rowId xmlns:a16="http://schemas.microsoft.com/office/drawing/2014/main" val="824714965"/>
-                  </a:ext>
-                </a:extLst>
-              </a:tr>
-              <a:tr h="552101">
-                <a:tc>
-                  <a:txBody>
-                    <a:bodyPr/>
-                    <a:lstStyle/>
-                    <a:p>
-                      <a:pPr marL="0" marR="0" lvl="0" indent="0" algn="ctr" defTabSz="457144" rtl="0" eaLnBrk="1" fontAlgn="auto" latinLnBrk="0" hangingPunct="1">
-                        <a:lnSpc>
-                          <a:spcPct val="100000"/>
-                        </a:lnSpc>
-                        <a:spcBef>
-                          <a:spcPts val="0"/>
-                        </a:spcBef>
-                        <a:spcAft>
-                          <a:spcPts val="0"/>
-                        </a:spcAft>
-                        <a:buClrTx/>
-                        <a:buSzTx/>
-                        <a:buFontTx/>
-                        <a:buNone/>
-                        <a:tabLst/>
-                        <a:defRPr/>
-                      </a:pPr>
-                      <a:r>
-                        <a:rPr lang="en-AU" sz="1800" b="0" dirty="0"/>
-                        <a:t>4 (</a:t>
-                      </a:r>
-                      <a:r>
-                        <a:rPr lang="en-GB" sz="1800" b="0" kern="1200" dirty="0" err="1">
-                          <a:solidFill>
-                            <a:schemeClr val="tx1"/>
-                          </a:solidFill>
-                          <a:effectLst/>
-                          <a:latin typeface="+mn-lt"/>
-                          <a:ea typeface="+mn-ea"/>
-                          <a:cs typeface="+mn-cs"/>
-                        </a:rPr>
-                        <a:t>Konditorei</a:t>
-                      </a:r>
-                      <a:r>
-                        <a:rPr lang="en-GB" sz="1800" b="0" kern="1200" dirty="0">
-                          <a:solidFill>
-                            <a:schemeClr val="tx1"/>
-                          </a:solidFill>
-                          <a:effectLst/>
-                          <a:latin typeface="+mn-lt"/>
-                          <a:ea typeface="+mn-ea"/>
-                          <a:cs typeface="+mn-cs"/>
-                        </a:rPr>
-                        <a:t>)</a:t>
-                      </a:r>
-                    </a:p>
-                  </a:txBody>
-                  <a:tcPr anchor="ctr"/>
-                </a:tc>
-                <a:tc>
-                  <a:txBody>
-                    <a:bodyPr/>
-                    <a:lstStyle/>
-                    <a:p>
-                      <a:pPr marL="0" marR="0" lvl="0" indent="0" algn="ctr" defTabSz="457144" rtl="0" eaLnBrk="1" fontAlgn="auto" latinLnBrk="0" hangingPunct="1">
-                        <a:lnSpc>
-                          <a:spcPct val="100000"/>
-                        </a:lnSpc>
-                        <a:spcBef>
-                          <a:spcPts val="0"/>
-                        </a:spcBef>
-                        <a:spcAft>
-                          <a:spcPts val="0"/>
-                        </a:spcAft>
-                        <a:buClrTx/>
-                        <a:buSzTx/>
-                        <a:buFontTx/>
-                        <a:buNone/>
-                        <a:tabLst/>
-                        <a:defRPr/>
-                      </a:pPr>
-                      <a:r>
-                        <a:rPr lang="en-AU" sz="2000" b="1" dirty="0">
-                          <a:solidFill>
-                            <a:schemeClr val="accent6">
-                              <a:lumMod val="75000"/>
-                            </a:schemeClr>
-                          </a:solidFill>
-                        </a:rPr>
-                        <a:t>187</a:t>
-                      </a:r>
-                    </a:p>
-                  </a:txBody>
-                  <a:tcPr anchor="ctr"/>
-                </a:tc>
-                <a:extLst>
-                  <a:ext uri="{0D108BD9-81ED-4DB2-BD59-A6C34878D82A}">
-                    <a16:rowId xmlns:a16="http://schemas.microsoft.com/office/drawing/2014/main" val="2574431977"/>
-                  </a:ext>
-                </a:extLst>
-              </a:tr>
-              <a:tr h="552101">
-                <a:tc>
-                  <a:txBody>
-                    <a:bodyPr/>
-                    <a:lstStyle/>
-                    <a:p>
-                      <a:pPr marL="0" marR="0" lvl="0" indent="0" algn="ctr" defTabSz="457144" rtl="0" eaLnBrk="1" fontAlgn="auto" latinLnBrk="0" hangingPunct="1">
-                        <a:lnSpc>
-                          <a:spcPct val="100000"/>
-                        </a:lnSpc>
-                        <a:spcBef>
-                          <a:spcPts val="0"/>
-                        </a:spcBef>
-                        <a:spcAft>
-                          <a:spcPts val="0"/>
-                        </a:spcAft>
-                        <a:buClrTx/>
-                        <a:buSzTx/>
-                        <a:buFontTx/>
-                        <a:buNone/>
-                        <a:tabLst/>
-                        <a:defRPr/>
-                      </a:pPr>
-                      <a:r>
-                        <a:rPr lang="en-AU" sz="1800" b="0" dirty="0"/>
-                        <a:t>5 </a:t>
-                      </a:r>
-                      <a:r>
-                        <a:rPr lang="en-GB" sz="1800" b="0" kern="1200" dirty="0">
-                          <a:solidFill>
-                            <a:schemeClr val="tx1"/>
-                          </a:solidFill>
-                          <a:effectLst/>
-                          <a:latin typeface="+mn-lt"/>
-                          <a:ea typeface="+mn-ea"/>
-                          <a:cs typeface="+mn-cs"/>
-                        </a:rPr>
-                        <a:t>(Kuchen)</a:t>
-                      </a:r>
-                    </a:p>
-                  </a:txBody>
-                  <a:tcPr anchor="ctr"/>
-                </a:tc>
-                <a:tc>
-                  <a:txBody>
-                    <a:bodyPr/>
-                    <a:lstStyle/>
-                    <a:p>
-                      <a:pPr algn="ctr"/>
-                      <a:r>
-                        <a:rPr lang="en-AU" sz="2000" b="1" dirty="0">
-                          <a:solidFill>
-                            <a:schemeClr val="accent6">
-                              <a:lumMod val="75000"/>
-                            </a:schemeClr>
-                          </a:solidFill>
-                        </a:rPr>
-                        <a:t>187</a:t>
-                      </a:r>
-                    </a:p>
-                  </a:txBody>
-                  <a:tcPr anchor="ctr"/>
-                </a:tc>
-                <a:extLst>
-                  <a:ext uri="{0D108BD9-81ED-4DB2-BD59-A6C34878D82A}">
-                    <a16:rowId xmlns:a16="http://schemas.microsoft.com/office/drawing/2014/main" val="1253213471"/>
-                  </a:ext>
-                </a:extLst>
-              </a:tr>
-              <a:tr h="552101">
-                <a:tc>
-                  <a:txBody>
-                    <a:bodyPr/>
-                    <a:lstStyle/>
-                    <a:p>
-                      <a:pPr marL="0" marR="0" lvl="0" indent="0" algn="ctr" defTabSz="457144" rtl="0" eaLnBrk="1" fontAlgn="auto" latinLnBrk="0" hangingPunct="1">
-                        <a:lnSpc>
-                          <a:spcPct val="100000"/>
-                        </a:lnSpc>
-                        <a:spcBef>
-                          <a:spcPts val="0"/>
-                        </a:spcBef>
-                        <a:spcAft>
-                          <a:spcPts val="0"/>
-                        </a:spcAft>
-                        <a:buClrTx/>
-                        <a:buSzTx/>
-                        <a:buFontTx/>
-                        <a:buNone/>
-                        <a:tabLst/>
-                        <a:defRPr/>
-                      </a:pPr>
-                      <a:r>
-                        <a:rPr lang="en-AU" sz="1800" b="0" dirty="0"/>
-                        <a:t>6 (</a:t>
-                      </a:r>
-                      <a:r>
-                        <a:rPr lang="en-GB" sz="1800" b="0" kern="1200" dirty="0" err="1">
-                          <a:solidFill>
-                            <a:schemeClr val="tx1"/>
-                          </a:solidFill>
-                          <a:effectLst/>
-                          <a:latin typeface="+mn-lt"/>
-                          <a:ea typeface="+mn-ea"/>
-                          <a:cs typeface="+mn-cs"/>
-                        </a:rPr>
-                        <a:t>Saisonbrot</a:t>
-                      </a:r>
-                      <a:r>
-                        <a:rPr lang="en-AU" sz="1800" b="0" kern="1200" dirty="0">
-                          <a:solidFill>
-                            <a:schemeClr val="tx1"/>
-                          </a:solidFill>
-                          <a:effectLst/>
-                          <a:latin typeface="+mn-lt"/>
-                          <a:ea typeface="+mn-ea"/>
-                          <a:cs typeface="+mn-cs"/>
-                        </a:rPr>
-                        <a:t>)</a:t>
-                      </a:r>
-                      <a:endParaRPr lang="en-GB" sz="1800" b="0" kern="1200" dirty="0">
-                        <a:solidFill>
-                          <a:schemeClr val="tx1"/>
-                        </a:solidFill>
-                        <a:effectLst/>
-                        <a:latin typeface="+mn-lt"/>
-                        <a:ea typeface="+mn-ea"/>
-                        <a:cs typeface="+mn-cs"/>
-                      </a:endParaRPr>
-                    </a:p>
-                  </a:txBody>
-                  <a:tcPr anchor="ctr"/>
-                </a:tc>
-                <a:tc>
-                  <a:txBody>
-                    <a:bodyPr/>
-                    <a:lstStyle/>
-                    <a:p>
-                      <a:pPr algn="ctr"/>
-                      <a:r>
-                        <a:rPr lang="en-AU" sz="2000" b="1" dirty="0">
-                          <a:solidFill>
-                            <a:schemeClr val="accent6">
-                              <a:lumMod val="75000"/>
-                            </a:schemeClr>
-                          </a:solidFill>
-                        </a:rPr>
-                        <a:t>192</a:t>
-                      </a:r>
-                    </a:p>
-                  </a:txBody>
-                  <a:tcPr anchor="ctr"/>
-                </a:tc>
-                <a:extLst>
-                  <a:ext uri="{0D108BD9-81ED-4DB2-BD59-A6C34878D82A}">
-                    <a16:rowId xmlns:a16="http://schemas.microsoft.com/office/drawing/2014/main" val="3521576117"/>
-                  </a:ext>
-                </a:extLst>
-              </a:tr>
-            </a:tbl>
-          </a:graphicData>
-        </a:graphic>
-      </p:graphicFrame>
-    </p:spTree>
-    <p:extLst>
-      <p:ext uri="{BB962C8B-B14F-4D97-AF65-F5344CB8AC3E}">
-        <p14:creationId xmlns:p14="http://schemas.microsoft.com/office/powerpoint/2010/main" val="27379924"/>
       </p:ext>
     </p:extLst>
   </p:cSld>
